--- a/ppt/2DGP 2차 발표.pptx
+++ b/ppt/2DGP 2차 발표.pptx
@@ -108,6 +108,11 @@
       </a:defRPr>
     </a:lvl9pPr>
   </p:defaultTextStyle>
+  <p:extLst>
+    <p:ext uri="{EFAFB233-063F-42B5-8137-9DF3F51BA10A}">
+      <p15:sldGuideLst xmlns:p15="http://schemas.microsoft.com/office/powerpoint/2012/main"/>
+    </p:ext>
+  </p:extLst>
 </p:presentation>
 </file>
 
@@ -258,7 +263,7 @@
           <a:p>
             <a:fld id="{12DFC875-B2DB-4FC8-9A52-2BD2954FB3B5}" type="datetimeFigureOut">
               <a:rPr lang="ko-KR" altLang="en-US" smtClean="0"/>
-              <a:t>2019-10-27</a:t>
+              <a:t>2019-10-28</a:t>
             </a:fld>
             <a:endParaRPr lang="ko-KR" altLang="en-US"/>
           </a:p>
@@ -499,7 +504,7 @@
           <a:p>
             <a:fld id="{12DFC875-B2DB-4FC8-9A52-2BD2954FB3B5}" type="datetimeFigureOut">
               <a:rPr lang="ko-KR" altLang="en-US" smtClean="0"/>
-              <a:t>2019-10-27</a:t>
+              <a:t>2019-10-28</a:t>
             </a:fld>
             <a:endParaRPr lang="ko-KR" altLang="en-US"/>
           </a:p>
@@ -890,7 +895,7 @@
 </file>
 
 <file path=ppt/slides/slide1.xml><?xml version="1.0" encoding="utf-8"?>
-<p:sld xmlns:a="http://schemas.openxmlformats.org/drawingml/2006/main" xmlns:r="http://schemas.openxmlformats.org/officeDocument/2006/relationships" xmlns:p="http://schemas.openxmlformats.org/presentationml/2006/main">
+<p:sld xmlns:a="http://schemas.openxmlformats.org/drawingml/2006/main" xmlns:r="http://schemas.openxmlformats.org/officeDocument/2006/relationships" xmlns:p="http://schemas.openxmlformats.org/presentationml/2006/main" show="0">
   <p:cSld>
     <p:spTree>
       <p:nvGrpSpPr>
@@ -2879,14 +2884,14 @@
           <p:nvPr>
             <p:extLst>
               <p:ext uri="{D42A27DB-BD31-4B8C-83A1-F6EECF244321}">
-                <p14:modId xmlns:p14="http://schemas.microsoft.com/office/powerpoint/2010/main" val="806353506"/>
+                <p14:modId xmlns:p14="http://schemas.microsoft.com/office/powerpoint/2010/main" val="1986702541"/>
               </p:ext>
             </p:extLst>
           </p:nvPr>
         </p:nvGraphicFramePr>
         <p:xfrm>
           <a:off x="1107440" y="1134308"/>
-          <a:ext cx="10241280" cy="5067317"/>
+          <a:ext cx="10241280" cy="5082187"/>
         </p:xfrm>
         <a:graphic>
           <a:graphicData uri="http://schemas.openxmlformats.org/drawingml/2006/table">
@@ -4095,7 +4100,11 @@
                       <a:endParaRPr lang="ko-KR" altLang="en-US"/>
                     </a:p>
                   </a:txBody>
-                  <a:tcPr/>
+                  <a:tcPr>
+                    <a:lnT>
+                      <a:noFill/>
+                    </a:lnT>
+                  </a:tcPr>
                 </a:tc>
                 <a:tc hMerge="1">
                   <a:txBody>
@@ -4393,9 +4402,6 @@
                     <a:lnR>
                       <a:noFill/>
                     </a:lnR>
-                    <a:lnT>
-                      <a:noFill/>
-                    </a:lnT>
                     <a:lnB>
                       <a:noFill/>
                     </a:lnB>
@@ -4561,7 +4567,11 @@
                       <a:endParaRPr lang="ko-KR" altLang="en-US"/>
                     </a:p>
                   </a:txBody>
-                  <a:tcPr/>
+                  <a:tcPr>
+                    <a:lnT>
+                      <a:noFill/>
+                    </a:lnT>
+                  </a:tcPr>
                 </a:tc>
                 <a:tc hMerge="1">
                   <a:txBody>
@@ -4612,7 +4622,7 @@
                   </a:ext>
                 </a:extLst>
               </a:tr>
-              <a:tr h="626105">
+              <a:tr h="380630">
                 <a:tc>
                   <a:txBody>
                     <a:bodyPr/>
@@ -4620,83 +4630,35 @@
                     <a:p>
                       <a:pPr algn="ctr" latinLnBrk="1"/>
                       <a:r>
-                        <a:rPr lang="en-US" altLang="ko-KR" b="1" dirty="0">
-                          <a:solidFill>
-                            <a:srgbClr val="FF0000"/>
+                        <a:rPr lang="en-US" altLang="ko-KR" sz="1800" b="0" dirty="0">
+                          <a:solidFill>
+                            <a:schemeClr val="tx1"/>
                           </a:solidFill>
                           <a:effectLst/>
                         </a:rPr>
                         <a:t>5</a:t>
                       </a:r>
                       <a:r>
-                        <a:rPr lang="ko-KR" altLang="en-US" b="1" dirty="0">
-                          <a:solidFill>
-                            <a:srgbClr val="FF0000"/>
+                        <a:rPr lang="ko-KR" altLang="en-US" sz="1800" b="0" dirty="0">
+                          <a:solidFill>
+                            <a:schemeClr val="tx1"/>
                           </a:solidFill>
                           <a:effectLst/>
                         </a:rPr>
                         <a:t>주차</a:t>
                       </a:r>
                       <a:r>
-                        <a:rPr lang="en-US" altLang="ko-KR" b="1" dirty="0">
-                          <a:solidFill>
-                            <a:srgbClr val="FF0000"/>
+                        <a:rPr lang="en-US" altLang="ko-KR" sz="1800" b="0" dirty="0">
+                          <a:solidFill>
+                            <a:schemeClr val="tx1"/>
                           </a:solidFill>
                           <a:effectLst/>
                         </a:rPr>
                         <a:t>(10/29~)</a:t>
                       </a:r>
-                    </a:p>
-                    <a:p>
-                      <a:pPr algn="ctr" latinLnBrk="1"/>
-                      <a:r>
-                        <a:rPr lang="en-US" altLang="ko-KR" sz="1600" b="1" dirty="0">
-                          <a:solidFill>
-                            <a:srgbClr val="FF0000"/>
-                          </a:solidFill>
-                          <a:effectLst/>
-                        </a:rPr>
-                        <a:t>(4</a:t>
-                      </a:r>
-                      <a:r>
-                        <a:rPr lang="ko-KR" altLang="en-US" sz="1600" b="1" dirty="0">
-                          <a:solidFill>
-                            <a:srgbClr val="FF0000"/>
-                          </a:solidFill>
-                          <a:effectLst/>
-                        </a:rPr>
-                        <a:t>주차 </a:t>
-                      </a:r>
-                      <a:r>
-                        <a:rPr lang="en-US" altLang="ko-KR" sz="1600" b="1" dirty="0">
-                          <a:solidFill>
-                            <a:srgbClr val="FF0000"/>
-                          </a:solidFill>
-                          <a:effectLst/>
-                        </a:rPr>
-                        <a:t>-&gt; 5</a:t>
-                      </a:r>
-                      <a:r>
-                        <a:rPr lang="ko-KR" altLang="en-US" sz="1600" b="1" dirty="0">
-                          <a:solidFill>
-                            <a:srgbClr val="FF0000"/>
-                          </a:solidFill>
-                          <a:effectLst/>
-                        </a:rPr>
-                        <a:t>주차</a:t>
-                      </a:r>
-                      <a:r>
-                        <a:rPr lang="en-US" altLang="ko-KR" sz="1600" b="1" dirty="0">
-                          <a:solidFill>
-                            <a:srgbClr val="FF0000"/>
-                          </a:solidFill>
-                          <a:effectLst/>
-                        </a:rPr>
-                        <a:t>)</a:t>
-                      </a:r>
-                      <a:endParaRPr lang="ko-KR" altLang="en-US" sz="1600" b="1" dirty="0">
+                      <a:endParaRPr lang="ko-KR" altLang="en-US" sz="1800" b="0" dirty="0">
                         <a:solidFill>
-                          <a:srgbClr val="FF0000"/>
+                          <a:schemeClr val="tx1"/>
                         </a:solidFill>
                         <a:effectLst/>
                       </a:endParaRPr>
@@ -4749,20 +4711,14 @@
                         <a:defRPr/>
                       </a:pPr>
                       <a:r>
-                        <a:rPr lang="ko-KR" altLang="en-US" b="1" dirty="0">
-                          <a:solidFill>
-                            <a:srgbClr val="FF0000"/>
-                          </a:solidFill>
-                          <a:effectLst/>
-                        </a:rPr>
-                        <a:t>충돌 체크</a:t>
-                      </a:r>
-                      <a:endParaRPr lang="ko-KR" altLang="en-US" sz="1350" b="1" dirty="0">
-                        <a:solidFill>
-                          <a:srgbClr val="FF0000"/>
-                        </a:solidFill>
-                        <a:effectLst/>
-                      </a:endParaRPr>
+                        <a:rPr lang="ko-KR" altLang="en-US" sz="1600" b="0" dirty="0">
+                          <a:solidFill>
+                            <a:schemeClr val="tx1"/>
+                          </a:solidFill>
+                          <a:effectLst/>
+                        </a:rPr>
+                        <a:t>아이템</a:t>
+                      </a:r>
                     </a:p>
                   </a:txBody>
                   <a:tcPr>
@@ -4790,65 +4746,6 @@
                   </a:tcPr>
                 </a:tc>
                 <a:tc>
-                  <a:txBody>
-                    <a:bodyPr/>
-                    <a:lstStyle/>
-                    <a:p>
-                      <a:pPr algn="ctr" latinLnBrk="1"/>
-                      <a:r>
-                        <a:rPr lang="ko-KR" altLang="en-US" b="1" dirty="0">
-                          <a:solidFill>
-                            <a:srgbClr val="FF0000"/>
-                          </a:solidFill>
-                          <a:effectLst/>
-                        </a:rPr>
-                        <a:t>캐릭터와 장애물의 충돌 구현</a:t>
-                      </a:r>
-                      <a:endParaRPr lang="en-US" altLang="ko-KR" b="1" dirty="0">
-                        <a:solidFill>
-                          <a:srgbClr val="FF0000"/>
-                        </a:solidFill>
-                        <a:effectLst/>
-                      </a:endParaRPr>
-                    </a:p>
-                    <a:p>
-                      <a:pPr algn="ctr" latinLnBrk="1"/>
-                      <a:r>
-                        <a:rPr lang="ko-KR" altLang="en-US" b="1" dirty="0">
-                          <a:solidFill>
-                            <a:srgbClr val="FF0000"/>
-                          </a:solidFill>
-                          <a:effectLst/>
-                        </a:rPr>
-                        <a:t>충돌 시 게임 종료</a:t>
-                      </a:r>
-                    </a:p>
-                  </a:txBody>
-                  <a:tcPr>
-                    <a:lnL>
-                      <a:noFill/>
-                    </a:lnL>
-                    <a:lnR>
-                      <a:noFill/>
-                    </a:lnR>
-                    <a:lnT>
-                      <a:noFill/>
-                    </a:lnT>
-                    <a:lnB>
-                      <a:noFill/>
-                    </a:lnB>
-                    <a:lnTlToBr w="12700" cmpd="sng">
-                      <a:noFill/>
-                      <a:prstDash val="solid"/>
-                    </a:lnTlToBr>
-                    <a:lnBlToTr w="12700" cmpd="sng">
-                      <a:noFill/>
-                      <a:prstDash val="solid"/>
-                    </a:lnBlToTr>
-                    <a:noFill/>
-                  </a:tcPr>
-                </a:tc>
-                <a:tc gridSpan="2">
                   <a:txBody>
                     <a:bodyPr/>
                     <a:lstStyle/>
@@ -4871,15 +4768,44 @@
                         <a:defRPr/>
                       </a:pPr>
                       <a:r>
-                        <a:rPr lang="en-US" altLang="ko-KR" b="0" dirty="0">
+                        <a:rPr lang="ko-KR" altLang="en-US" sz="1600" b="0" dirty="0">
                           <a:solidFill>
                             <a:schemeClr val="tx1"/>
                           </a:solidFill>
                           <a:effectLst/>
                         </a:rPr>
-                        <a:t>10%</a:t>
-                      </a:r>
-                    </a:p>
+                        <a:t>아이템 배치 및 효과 구현</a:t>
+                      </a:r>
+                    </a:p>
+                  </a:txBody>
+                  <a:tcPr>
+                    <a:lnL>
+                      <a:noFill/>
+                    </a:lnL>
+                    <a:lnR>
+                      <a:noFill/>
+                    </a:lnR>
+                    <a:lnT>
+                      <a:noFill/>
+                    </a:lnT>
+                    <a:lnB>
+                      <a:noFill/>
+                    </a:lnB>
+                    <a:lnTlToBr w="12700" cmpd="sng">
+                      <a:noFill/>
+                      <a:prstDash val="solid"/>
+                    </a:lnTlToBr>
+                    <a:lnBlToTr w="12700" cmpd="sng">
+                      <a:noFill/>
+                      <a:prstDash val="solid"/>
+                    </a:lnBlToTr>
+                    <a:noFill/>
+                  </a:tcPr>
+                </a:tc>
+                <a:tc gridSpan="2">
+                  <a:txBody>
+                    <a:bodyPr/>
+                    <a:lstStyle/>
                     <a:p>
                       <a:pPr marL="0" marR="0" lvl="0" indent="0" algn="ctr" defTabSz="914400" rtl="0" eaLnBrk="1" fontAlgn="auto" latinLnBrk="1" hangingPunct="1">
                         <a:lnSpc>
@@ -4899,47 +4825,23 @@
                         <a:defRPr/>
                       </a:pPr>
                       <a:r>
-                        <a:rPr lang="en-US" altLang="ko-KR" b="0" dirty="0">
+                        <a:rPr lang="en-US" altLang="ko-KR" sz="1600" b="0" dirty="0">
                           <a:solidFill>
                             <a:schemeClr val="tx1"/>
                           </a:solidFill>
                           <a:effectLst/>
                         </a:rPr>
-                        <a:t>-&gt; (2</a:t>
-                      </a:r>
-                      <a:r>
-                        <a:rPr lang="ko-KR" altLang="en-US" b="0" dirty="0">
+                        <a:t>10% -&gt;</a:t>
+                      </a:r>
+                      <a:r>
+                        <a:rPr lang="ko-KR" altLang="en-US" sz="1600" b="0" dirty="0">
                           <a:solidFill>
                             <a:schemeClr val="tx1"/>
                           </a:solidFill>
                           <a:effectLst/>
                         </a:rPr>
-                        <a:t>차 발표 시점</a:t>
-                      </a:r>
-                      <a:r>
-                        <a:rPr lang="en-US" altLang="ko-KR" b="0" dirty="0">
-                          <a:solidFill>
-                            <a:schemeClr val="tx1"/>
-                          </a:solidFill>
-                          <a:effectLst/>
-                        </a:rPr>
-                        <a:t>)</a:t>
-                      </a:r>
-                      <a:r>
-                        <a:rPr lang="ko-KR" altLang="en-US" b="0" dirty="0">
-                          <a:solidFill>
-                            <a:schemeClr val="tx1"/>
-                          </a:solidFill>
-                          <a:effectLst/>
-                        </a:rPr>
                         <a:t>진행중</a:t>
                       </a:r>
-                      <a:endParaRPr lang="ko-KR" altLang="en-US" b="0" dirty="0">
-                        <a:solidFill>
-                          <a:srgbClr val="FF0000"/>
-                        </a:solidFill>
-                        <a:effectLst/>
-                      </a:endParaRPr>
                     </a:p>
                   </a:txBody>
                   <a:tcPr>
@@ -4949,9 +4851,6 @@
                     <a:lnR>
                       <a:noFill/>
                     </a:lnR>
-                    <a:lnT>
-                      <a:noFill/>
-                    </a:lnT>
                     <a:lnB>
                       <a:noFill/>
                     </a:lnB>
@@ -5074,13 +4973,40 @@
                     <a:p>
                       <a:pPr algn="ctr" latinLnBrk="1"/>
                       <a:r>
+                        <a:rPr lang="en-US" altLang="ko-KR" sz="1800" b="1" dirty="0">
+                          <a:solidFill>
+                            <a:srgbClr val="FF0000"/>
+                          </a:solidFill>
+                          <a:effectLst/>
+                        </a:rPr>
+                        <a:t>6</a:t>
+                      </a:r>
+                      <a:r>
+                        <a:rPr lang="ko-KR" altLang="en-US" sz="1800" b="1" dirty="0">
+                          <a:solidFill>
+                            <a:srgbClr val="FF0000"/>
+                          </a:solidFill>
+                          <a:effectLst/>
+                        </a:rPr>
+                        <a:t>주차</a:t>
+                      </a:r>
+                      <a:endParaRPr lang="en-US" altLang="ko-KR" sz="1600" b="1" dirty="0">
+                        <a:solidFill>
+                          <a:srgbClr val="FF0000"/>
+                        </a:solidFill>
+                        <a:effectLst/>
+                      </a:endParaRPr>
+                    </a:p>
+                    <a:p>
+                      <a:pPr algn="ctr" latinLnBrk="1"/>
+                      <a:r>
                         <a:rPr lang="en-US" altLang="ko-KR" sz="1600" b="1" dirty="0">
                           <a:solidFill>
                             <a:srgbClr val="FF0000"/>
                           </a:solidFill>
                           <a:effectLst/>
                         </a:rPr>
-                        <a:t>6</a:t>
+                        <a:t>(4</a:t>
                       </a:r>
                       <a:r>
                         <a:rPr lang="ko-KR" altLang="en-US" sz="1600" b="1" dirty="0">
@@ -5098,7 +5024,25 @@
                           </a:solidFill>
                           <a:effectLst/>
                         </a:rPr>
-                        <a:t>(5 -&gt; 6)</a:t>
+                        <a:t>-&gt; 6</a:t>
+                      </a:r>
+                      <a:r>
+                        <a:rPr lang="ko-KR" altLang="en-US" sz="1600" b="1" dirty="0">
+                          <a:solidFill>
+                            <a:srgbClr val="FF0000"/>
+                          </a:solidFill>
+                          <a:effectLst/>
+                        </a:rPr>
+                        <a:t>주차</a:t>
+                      </a:r>
+                      <a:r>
+                        <a:rPr lang="en-US" altLang="ko-KR" sz="1600" b="1" dirty="0">
+                          <a:solidFill>
+                            <a:srgbClr val="FF0000"/>
+                          </a:solidFill>
+                          <a:effectLst/>
+                        </a:rPr>
+                        <a:t>)</a:t>
                       </a:r>
                       <a:endParaRPr lang="ko-KR" altLang="en-US" sz="1600" b="1" dirty="0">
                         <a:solidFill>
@@ -5150,14 +5094,8 @@
                           </a:solidFill>
                           <a:effectLst/>
                         </a:rPr>
-                        <a:t>아이템</a:t>
-                      </a:r>
-                      <a:endParaRPr lang="ko-KR" altLang="en-US" sz="1350" b="1" dirty="0">
-                        <a:solidFill>
-                          <a:srgbClr val="FF0000"/>
-                        </a:solidFill>
-                        <a:effectLst/>
-                      </a:endParaRPr>
+                        <a:t>충돌체크</a:t>
+                      </a:r>
                     </a:p>
                   </a:txBody>
                   <a:tcPr>
@@ -5194,23 +5132,7 @@
                     <a:bodyPr/>
                     <a:lstStyle/>
                     <a:p>
-                      <a:pPr marL="0" marR="0" lvl="0" indent="0" algn="ctr" defTabSz="914400" rtl="0" eaLnBrk="1" fontAlgn="auto" latinLnBrk="1" hangingPunct="1">
-                        <a:lnSpc>
-                          <a:spcPct val="100000"/>
-                        </a:lnSpc>
-                        <a:spcBef>
-                          <a:spcPts val="0"/>
-                        </a:spcBef>
-                        <a:spcAft>
-                          <a:spcPts val="0"/>
-                        </a:spcAft>
-                        <a:buClrTx/>
-                        <a:buSzTx/>
-                        <a:buFontTx/>
-                        <a:buNone/>
-                        <a:tabLst/>
-                        <a:defRPr/>
-                      </a:pPr>
+                      <a:pPr algn="ctr" latinLnBrk="1"/>
                       <a:r>
                         <a:rPr lang="ko-KR" altLang="en-US" sz="1600" b="1" dirty="0">
                           <a:solidFill>
@@ -5218,7 +5140,7 @@
                           </a:solidFill>
                           <a:effectLst/>
                         </a:rPr>
-                        <a:t>아이템 배치</a:t>
+                        <a:t>캐릭터와 장애물</a:t>
                       </a:r>
                       <a:r>
                         <a:rPr lang="en-US" altLang="ko-KR" sz="1600" b="1" dirty="0">
@@ -5227,7 +5149,7 @@
                           </a:solidFill>
                           <a:effectLst/>
                         </a:rPr>
-                        <a:t> </a:t>
+                        <a:t>&amp;</a:t>
                       </a:r>
                       <a:r>
                         <a:rPr lang="ko-KR" altLang="en-US" sz="1600" b="1" dirty="0">
@@ -5236,7 +5158,34 @@
                           </a:solidFill>
                           <a:effectLst/>
                         </a:rPr>
-                        <a:t>및 효과 구현</a:t>
+                        <a:t>아이템의 충돌 구현</a:t>
+                      </a:r>
+                      <a:endParaRPr lang="en-US" altLang="ko-KR" sz="1600" b="1" dirty="0">
+                        <a:solidFill>
+                          <a:srgbClr val="FF0000"/>
+                        </a:solidFill>
+                        <a:effectLst/>
+                      </a:endParaRPr>
+                    </a:p>
+                    <a:p>
+                      <a:pPr algn="ctr" latinLnBrk="1"/>
+                      <a:r>
+                        <a:rPr lang="ko-KR" altLang="en-US" sz="1600" b="1">
+                          <a:solidFill>
+                            <a:srgbClr val="FF0000"/>
+                          </a:solidFill>
+                          <a:effectLst/>
+                        </a:rPr>
+                        <a:t>장애물 충돌 </a:t>
+                      </a:r>
+                      <a:r>
+                        <a:rPr lang="ko-KR" altLang="en-US" sz="1600" b="1" dirty="0">
+                          <a:solidFill>
+                            <a:srgbClr val="FF0000"/>
+                          </a:solidFill>
+                          <a:effectLst/>
+                        </a:rPr>
+                        <a:t>시 게임 종료</a:t>
                       </a:r>
                     </a:p>
                   </a:txBody>

--- a/ppt/2DGP 2차 발표.pptx
+++ b/ppt/2DGP 2차 발표.pptx
@@ -2884,14 +2884,14 @@
           <p:nvPr>
             <p:extLst>
               <p:ext uri="{D42A27DB-BD31-4B8C-83A1-F6EECF244321}">
-                <p14:modId xmlns:p14="http://schemas.microsoft.com/office/powerpoint/2010/main" val="1986702541"/>
+                <p14:modId xmlns:p14="http://schemas.microsoft.com/office/powerpoint/2010/main" val="3708855853"/>
               </p:ext>
             </p:extLst>
           </p:nvPr>
         </p:nvGraphicFramePr>
         <p:xfrm>
           <a:off x="1107440" y="1134308"/>
-          <a:ext cx="10241280" cy="5082187"/>
+          <a:ext cx="10377386" cy="5082187"/>
         </p:xfrm>
         <a:graphic>
           <a:graphicData uri="http://schemas.openxmlformats.org/drawingml/2006/table">
@@ -2907,14 +2907,14 @@
                     </a:ext>
                   </a:extLst>
                 </a:gridCol>
-                <a:gridCol w="1480030">
+                <a:gridCol w="1195180">
                   <a:extLst>
                     <a:ext uri="{9D8B030D-6E8A-4147-A177-3AD203B41FA5}">
                       <a16:colId xmlns:a16="http://schemas.microsoft.com/office/drawing/2014/main" val="718617383"/>
                     </a:ext>
                   </a:extLst>
                 </a:gridCol>
-                <a:gridCol w="3985510">
+                <a:gridCol w="4406466">
                   <a:extLst>
                     <a:ext uri="{9D8B030D-6E8A-4147-A177-3AD203B41FA5}">
                       <a16:colId xmlns:a16="http://schemas.microsoft.com/office/drawing/2014/main" val="1209760446"/>
@@ -3187,19 +3187,19 @@
                     <a:p>
                       <a:pPr algn="ctr" latinLnBrk="1"/>
                       <a:r>
-                        <a:rPr lang="en-US" altLang="ko-KR" dirty="0">
+                        <a:rPr lang="en-US" altLang="ko-KR" b="1" dirty="0">
                           <a:effectLst/>
                         </a:rPr>
                         <a:t>1</a:t>
                       </a:r>
                       <a:r>
-                        <a:rPr lang="ko-KR" altLang="en-US" dirty="0">
+                        <a:rPr lang="ko-KR" altLang="en-US" b="1" dirty="0">
                           <a:effectLst/>
                         </a:rPr>
                         <a:t>주차</a:t>
                       </a:r>
                       <a:r>
-                        <a:rPr lang="en-US" altLang="ko-KR" dirty="0">
+                        <a:rPr lang="en-US" altLang="ko-KR" b="1" dirty="0">
                           <a:effectLst/>
                         </a:rPr>
                         <a:t>(9/29~)</a:t>
@@ -3246,10 +3246,10 @@
                     <a:p>
                       <a:pPr algn="ctr" latinLnBrk="1"/>
                       <a:r>
-                        <a:rPr lang="ko-KR" altLang="en-US" dirty="0">
-                          <a:effectLst/>
-                        </a:rPr>
-                        <a:t>리소스 수집</a:t>
+                        <a:rPr lang="ko-KR" altLang="en-US" b="1" dirty="0">
+                          <a:effectLst/>
+                        </a:rPr>
+                        <a:t>리소스</a:t>
                       </a:r>
                       <a:endParaRPr lang="ko-KR" altLang="en-US" b="1" dirty="0">
                         <a:solidFill>
@@ -3293,7 +3293,7 @@
                     <a:p>
                       <a:pPr algn="ctr" latinLnBrk="1"/>
                       <a:r>
-                        <a:rPr lang="ko-KR" altLang="en-US" dirty="0">
+                        <a:rPr lang="ko-KR" altLang="en-US" b="1" dirty="0">
                           <a:effectLst/>
                         </a:rPr>
                         <a:t>리소스 수집 및 편집</a:t>
@@ -3435,19 +3435,19 @@
                     <a:p>
                       <a:pPr algn="ctr" latinLnBrk="1"/>
                       <a:r>
-                        <a:rPr lang="en-US" altLang="ko-KR" dirty="0">
+                        <a:rPr lang="en-US" altLang="ko-KR" b="1" dirty="0">
                           <a:effectLst/>
                         </a:rPr>
                         <a:t>2</a:t>
                       </a:r>
                       <a:r>
-                        <a:rPr lang="ko-KR" altLang="en-US" dirty="0">
+                        <a:rPr lang="ko-KR" altLang="en-US" b="1" dirty="0">
                           <a:effectLst/>
                         </a:rPr>
                         <a:t>주차</a:t>
                       </a:r>
                       <a:r>
-                        <a:rPr lang="en-US" altLang="ko-KR" dirty="0">
+                        <a:rPr lang="en-US" altLang="ko-KR" b="1" dirty="0">
                           <a:effectLst/>
                         </a:rPr>
                         <a:t>(10/6~)</a:t>
@@ -3499,7 +3499,7 @@
                     <a:p>
                       <a:pPr algn="ctr" latinLnBrk="1"/>
                       <a:r>
-                        <a:rPr lang="ko-KR" altLang="en-US" dirty="0">
+                        <a:rPr lang="ko-KR" altLang="en-US" b="1" dirty="0">
                           <a:effectLst/>
                         </a:rPr>
                         <a:t>맵</a:t>
@@ -3567,19 +3567,19 @@
                         <a:defRPr/>
                       </a:pPr>
                       <a:r>
-                        <a:rPr lang="ko-KR" altLang="en-US" dirty="0">
+                        <a:rPr lang="ko-KR" altLang="en-US" b="1" dirty="0">
                           <a:effectLst/>
                         </a:rPr>
                         <a:t>맵 구현</a:t>
                       </a:r>
                       <a:r>
-                        <a:rPr lang="en-US" altLang="ko-KR" dirty="0">
+                        <a:rPr lang="en-US" altLang="ko-KR" b="1" dirty="0">
                           <a:effectLst/>
                         </a:rPr>
                         <a:t>, </a:t>
                       </a:r>
                       <a:r>
-                        <a:rPr lang="ko-KR" altLang="en-US" dirty="0">
+                        <a:rPr lang="ko-KR" altLang="en-US" b="1" dirty="0">
                           <a:effectLst/>
                         </a:rPr>
                         <a:t>장애물 설치</a:t>
@@ -3736,19 +3736,19 @@
                     <a:p>
                       <a:pPr algn="ctr" latinLnBrk="1"/>
                       <a:r>
-                        <a:rPr lang="en-US" altLang="ko-KR" dirty="0">
+                        <a:rPr lang="en-US" altLang="ko-KR" b="1" dirty="0">
                           <a:effectLst/>
                         </a:rPr>
                         <a:t>3</a:t>
                       </a:r>
                       <a:r>
-                        <a:rPr lang="ko-KR" altLang="en-US" dirty="0">
+                        <a:rPr lang="ko-KR" altLang="en-US" b="1" dirty="0">
                           <a:effectLst/>
                         </a:rPr>
                         <a:t>주차</a:t>
                       </a:r>
                       <a:r>
-                        <a:rPr lang="en-US" altLang="ko-KR" dirty="0">
+                        <a:rPr lang="en-US" altLang="ko-KR" b="1" dirty="0">
                           <a:effectLst/>
                         </a:rPr>
                         <a:t>(10/14~)</a:t>
@@ -3795,7 +3795,7 @@
                     <a:p>
                       <a:pPr algn="ctr" latinLnBrk="1"/>
                       <a:r>
-                        <a:rPr lang="ko-KR" altLang="en-US" dirty="0">
+                        <a:rPr lang="ko-KR" altLang="en-US" b="1" dirty="0">
                           <a:effectLst/>
                         </a:rPr>
                         <a:t>캐릭터</a:t>
@@ -3842,19 +3842,19 @@
                     <a:p>
                       <a:pPr algn="ctr" latinLnBrk="1"/>
                       <a:r>
-                        <a:rPr lang="ko-KR" altLang="en-US" dirty="0">
+                        <a:rPr lang="ko-KR" altLang="en-US" b="1" dirty="0">
                           <a:effectLst/>
                         </a:rPr>
                         <a:t>키보드 입력에 따른 </a:t>
                       </a:r>
-                      <a:endParaRPr lang="en-US" altLang="ko-KR" dirty="0">
+                      <a:endParaRPr lang="en-US" altLang="ko-KR" b="1" dirty="0">
                         <a:effectLst/>
                       </a:endParaRPr>
                     </a:p>
                     <a:p>
                       <a:pPr algn="ctr" latinLnBrk="1"/>
                       <a:r>
-                        <a:rPr lang="ko-KR" altLang="en-US" dirty="0">
+                        <a:rPr lang="ko-KR" altLang="en-US" b="1" dirty="0">
                           <a:effectLst/>
                         </a:rPr>
                         <a:t>애니메이션 구현</a:t>
@@ -4063,7 +4063,7 @@
                           </a:solidFill>
                           <a:effectLst/>
                         </a:rPr>
-                        <a:t>주차에 캐릭터 선택화면에서 확인 가능</a:t>
+                        <a:t>주차에 구현할 캐릭터 선택화면에서 확인 가능</a:t>
                       </a:r>
                     </a:p>
                   </a:txBody>
@@ -4354,7 +4354,7 @@
                         </a:rPr>
                         <a:t>주차 부족한 점 보완</a:t>
                       </a:r>
-                      <a:endParaRPr lang="ko-KR" altLang="en-US" dirty="0"/>
+                      <a:endParaRPr lang="ko-KR" altLang="en-US" b="1" dirty="0"/>
                     </a:p>
                   </a:txBody>
                   <a:tcPr>
@@ -4526,7 +4526,7 @@
                         </a:rPr>
                         <a:t>추가 개발 보다 보완이 필요한 상황</a:t>
                       </a:r>
-                      <a:endParaRPr lang="ko-KR" altLang="en-US" dirty="0"/>
+                      <a:endParaRPr lang="ko-KR" altLang="en-US" b="1" dirty="0"/>
                     </a:p>
                   </a:txBody>
                   <a:tcPr>

--- a/ppt/2DGP 2차 발표.pptx
+++ b/ppt/2DGP 2차 발표.pptx
@@ -263,7 +263,7 @@
           <a:p>
             <a:fld id="{12DFC875-B2DB-4FC8-9A52-2BD2954FB3B5}" type="datetimeFigureOut">
               <a:rPr lang="ko-KR" altLang="en-US" smtClean="0"/>
-              <a:t>2019-10-28</a:t>
+              <a:t>2019-10-29</a:t>
             </a:fld>
             <a:endParaRPr lang="ko-KR" altLang="en-US"/>
           </a:p>
@@ -504,7 +504,7 @@
           <a:p>
             <a:fld id="{12DFC875-B2DB-4FC8-9A52-2BD2954FB3B5}" type="datetimeFigureOut">
               <a:rPr lang="ko-KR" altLang="en-US" smtClean="0"/>
-              <a:t>2019-10-28</a:t>
+              <a:t>2019-10-29</a:t>
             </a:fld>
             <a:endParaRPr lang="ko-KR" altLang="en-US"/>
           </a:p>
@@ -1462,7 +1462,7 @@
         </p:nvGrpSpPr>
         <p:grpSpPr>
           <a:xfrm>
-            <a:off x="5996417" y="2025145"/>
+            <a:off x="5451597" y="1432242"/>
             <a:ext cx="5190873" cy="2896138"/>
             <a:chOff x="5962550" y="1946123"/>
             <a:chExt cx="5190873" cy="2896138"/>
@@ -1627,8 +1627,8 @@
         </p:nvSpPr>
         <p:spPr>
           <a:xfrm>
-            <a:off x="717151" y="2446319"/>
-            <a:ext cx="8549112" cy="2215991"/>
+            <a:off x="939588" y="2119125"/>
+            <a:ext cx="8549112" cy="3877985"/>
           </a:xfrm>
           <a:prstGeom prst="rect">
             <a:avLst/>
@@ -1698,6 +1698,50 @@
             </a:r>
           </a:p>
           <a:p>
+            <a:endParaRPr lang="en-US" altLang="ko-KR" sz="3600" b="1" dirty="0">
+              <a:solidFill>
+                <a:schemeClr val="accent1">
+                  <a:lumMod val="60000"/>
+                  <a:lumOff val="40000"/>
+                </a:schemeClr>
+              </a:solidFill>
+            </a:endParaRPr>
+          </a:p>
+          <a:p>
+            <a:endParaRPr lang="en-US" altLang="ko-KR" sz="3600" b="1" dirty="0">
+              <a:solidFill>
+                <a:schemeClr val="accent1">
+                  <a:lumMod val="60000"/>
+                  <a:lumOff val="40000"/>
+                </a:schemeClr>
+              </a:solidFill>
+            </a:endParaRPr>
+          </a:p>
+          <a:p>
+            <a:r>
+              <a:rPr lang="ko-KR" altLang="en-US" sz="3600" b="1" dirty="0">
+                <a:solidFill>
+                  <a:schemeClr val="accent1">
+                    <a:lumMod val="60000"/>
+                    <a:lumOff val="40000"/>
+                  </a:schemeClr>
+                </a:solidFill>
+              </a:rPr>
+              <a:t>스폰지밥 애니메이션 속으로</a:t>
+            </a:r>
+            <a:r>
+              <a:rPr lang="en-US" altLang="ko-KR" sz="3600" b="1" dirty="0">
+                <a:solidFill>
+                  <a:schemeClr val="accent1">
+                    <a:lumMod val="60000"/>
+                    <a:lumOff val="40000"/>
+                  </a:schemeClr>
+                </a:solidFill>
+              </a:rPr>
+              <a:t>!</a:t>
+            </a:r>
+          </a:p>
+          <a:p>
             <a:endParaRPr lang="en-US" altLang="ko-KR" sz="2000" b="1" dirty="0">
               <a:solidFill>
                 <a:schemeClr val="accent1">
@@ -1717,7 +1761,7 @@
                   </a:schemeClr>
                 </a:solidFill>
               </a:rPr>
-              <a:t>	</a:t>
+              <a:t>		</a:t>
             </a:r>
             <a:r>
               <a:rPr lang="ko-KR" altLang="en-US" sz="3600" b="1" dirty="0">
@@ -2789,7 +2833,7 @@
         </p:blipFill>
         <p:spPr>
           <a:xfrm>
-            <a:off x="0" y="-238898"/>
+            <a:off x="0" y="0"/>
             <a:ext cx="12192000" cy="6858000"/>
           </a:xfrm>
           <a:prstGeom prst="rect">
@@ -2884,14 +2928,14 @@
           <p:nvPr>
             <p:extLst>
               <p:ext uri="{D42A27DB-BD31-4B8C-83A1-F6EECF244321}">
-                <p14:modId xmlns:p14="http://schemas.microsoft.com/office/powerpoint/2010/main" val="3708855853"/>
+                <p14:modId xmlns:p14="http://schemas.microsoft.com/office/powerpoint/2010/main" val="178160379"/>
               </p:ext>
             </p:extLst>
           </p:nvPr>
         </p:nvGraphicFramePr>
         <p:xfrm>
-          <a:off x="1107440" y="1134308"/>
-          <a:ext cx="10377386" cy="5082187"/>
+          <a:off x="907307" y="1406842"/>
+          <a:ext cx="10377386" cy="4769750"/>
         </p:xfrm>
         <a:graphic>
           <a:graphicData uri="http://schemas.openxmlformats.org/drawingml/2006/table">
@@ -2900,38 +2944,31 @@
                 <a:tableStyleId>{5FD0F851-EC5A-4D38-B0AD-8093EC10F338}</a:tableStyleId>
               </a:tblPr>
               <a:tblGrid>
-                <a:gridCol w="1799823">
+                <a:gridCol w="1860607">
                   <a:extLst>
                     <a:ext uri="{9D8B030D-6E8A-4147-A177-3AD203B41FA5}">
                       <a16:colId xmlns:a16="http://schemas.microsoft.com/office/drawing/2014/main" val="730220867"/>
                     </a:ext>
                   </a:extLst>
                 </a:gridCol>
-                <a:gridCol w="1195180">
+                <a:gridCol w="1351005">
                   <a:extLst>
                     <a:ext uri="{9D8B030D-6E8A-4147-A177-3AD203B41FA5}">
                       <a16:colId xmlns:a16="http://schemas.microsoft.com/office/drawing/2014/main" val="718617383"/>
                     </a:ext>
                   </a:extLst>
                 </a:gridCol>
-                <a:gridCol w="4406466">
+                <a:gridCol w="3855308">
                   <a:extLst>
                     <a:ext uri="{9D8B030D-6E8A-4147-A177-3AD203B41FA5}">
                       <a16:colId xmlns:a16="http://schemas.microsoft.com/office/drawing/2014/main" val="1209760446"/>
                     </a:ext>
                   </a:extLst>
                 </a:gridCol>
-                <a:gridCol w="158574">
+                <a:gridCol w="3310466">
                   <a:extLst>
                     <a:ext uri="{9D8B030D-6E8A-4147-A177-3AD203B41FA5}">
-                      <a16:colId xmlns:a16="http://schemas.microsoft.com/office/drawing/2014/main" val="860308165"/>
-                    </a:ext>
-                  </a:extLst>
-                </a:gridCol>
-                <a:gridCol w="2817343">
-                  <a:extLst>
-                    <a:ext uri="{9D8B030D-6E8A-4147-A177-3AD203B41FA5}">
-                      <a16:colId xmlns:a16="http://schemas.microsoft.com/office/drawing/2014/main" val="1953367072"/>
+                      <a16:colId xmlns:a16="http://schemas.microsoft.com/office/drawing/2014/main" val="292422847"/>
                     </a:ext>
                   </a:extLst>
                 </a:gridCol>
@@ -2993,103 +3030,11 @@
                     <a:p>
                       <a:pPr algn="ctr" latinLnBrk="1"/>
                       <a:r>
-                        <a:rPr lang="ko-KR" altLang="en-US">
+                        <a:rPr lang="ko-KR" altLang="en-US" dirty="0">
                           <a:effectLst/>
                         </a:rPr>
                         <a:t>내용</a:t>
                       </a:r>
-                      <a:endParaRPr lang="ko-KR" altLang="en-US" b="1" dirty="0">
-                        <a:solidFill>
-                          <a:schemeClr val="bg1"/>
-                        </a:solidFill>
-                        <a:effectLst/>
-                      </a:endParaRPr>
-                    </a:p>
-                  </a:txBody>
-                  <a:tcPr>
-                    <a:lnL>
-                      <a:noFill/>
-                    </a:lnL>
-                    <a:lnR>
-                      <a:noFill/>
-                    </a:lnR>
-                    <a:lnT w="12700" cmpd="sng">
-                      <a:noFill/>
-                    </a:lnT>
-                    <a:lnB w="12700" cmpd="sng">
-                      <a:noFill/>
-                    </a:lnB>
-                    <a:lnTlToBr w="12700" cmpd="sng">
-                      <a:noFill/>
-                      <a:prstDash val="solid"/>
-                    </a:lnTlToBr>
-                    <a:lnBlToTr w="12700" cmpd="sng">
-                      <a:noFill/>
-                      <a:prstDash val="solid"/>
-                    </a:lnBlToTr>
-                    <a:solidFill>
-                      <a:schemeClr val="accent1">
-                        <a:lumMod val="40000"/>
-                        <a:lumOff val="60000"/>
-                      </a:schemeClr>
-                    </a:solidFill>
-                  </a:tcPr>
-                </a:tc>
-                <a:tc gridSpan="2">
-                  <a:txBody>
-                    <a:bodyPr/>
-                    <a:lstStyle/>
-                    <a:p>
-                      <a:pPr algn="ctr" latinLnBrk="1"/>
-                      <a:r>
-                        <a:rPr lang="ko-KR" altLang="en-US" dirty="0">
-                          <a:effectLst/>
-                        </a:rPr>
-                        <a:t>세부 사항</a:t>
-                      </a:r>
-                      <a:endParaRPr lang="ko-KR" altLang="en-US" b="1" dirty="0">
-                        <a:solidFill>
-                          <a:schemeClr val="bg1"/>
-                        </a:solidFill>
-                        <a:effectLst/>
-                      </a:endParaRPr>
-                    </a:p>
-                  </a:txBody>
-                  <a:tcPr>
-                    <a:lnL>
-                      <a:noFill/>
-                    </a:lnL>
-                    <a:lnR>
-                      <a:noFill/>
-                    </a:lnR>
-                    <a:lnT w="12700" cmpd="sng">
-                      <a:noFill/>
-                    </a:lnT>
-                    <a:lnB w="12700" cmpd="sng">
-                      <a:noFill/>
-                    </a:lnB>
-                    <a:lnTlToBr w="12700" cmpd="sng">
-                      <a:noFill/>
-                      <a:prstDash val="solid"/>
-                    </a:lnTlToBr>
-                    <a:lnBlToTr w="12700" cmpd="sng">
-                      <a:noFill/>
-                      <a:prstDash val="solid"/>
-                    </a:lnBlToTr>
-                    <a:solidFill>
-                      <a:schemeClr val="accent1">
-                        <a:lumMod val="40000"/>
-                        <a:lumOff val="60000"/>
-                      </a:schemeClr>
-                    </a:solidFill>
-                  </a:tcPr>
-                </a:tc>
-                <a:tc hMerge="1">
-                  <a:txBody>
-                    <a:bodyPr/>
-                    <a:lstStyle/>
-                    <a:p>
-                      <a:pPr algn="ctr" latinLnBrk="1"/>
                       <a:endParaRPr lang="ko-KR" altLang="en-US" b="1" dirty="0">
                         <a:solidFill>
                           <a:schemeClr val="bg1"/>
@@ -3134,7 +3079,56 @@
                     <a:p>
                       <a:pPr algn="ctr" latinLnBrk="1"/>
                       <a:r>
-                        <a:rPr lang="ko-KR" altLang="en-US" b="1" dirty="0">
+                        <a:rPr lang="ko-KR" altLang="en-US" dirty="0">
+                          <a:effectLst/>
+                        </a:rPr>
+                        <a:t>세부 사항</a:t>
+                      </a:r>
+                      <a:endParaRPr lang="ko-KR" altLang="en-US" b="1" dirty="0">
+                        <a:solidFill>
+                          <a:schemeClr val="bg1"/>
+                        </a:solidFill>
+                        <a:effectLst/>
+                      </a:endParaRPr>
+                    </a:p>
+                  </a:txBody>
+                  <a:tcPr>
+                    <a:lnL>
+                      <a:noFill/>
+                    </a:lnL>
+                    <a:lnR>
+                      <a:noFill/>
+                    </a:lnR>
+                    <a:lnT w="12700" cmpd="sng">
+                      <a:noFill/>
+                    </a:lnT>
+                    <a:lnB w="12700" cmpd="sng">
+                      <a:noFill/>
+                    </a:lnB>
+                    <a:lnTlToBr w="12700" cmpd="sng">
+                      <a:noFill/>
+                      <a:prstDash val="solid"/>
+                    </a:lnTlToBr>
+                    <a:lnBlToTr w="12700" cmpd="sng">
+                      <a:noFill/>
+                      <a:prstDash val="solid"/>
+                    </a:lnBlToTr>
+                    <a:solidFill>
+                      <a:schemeClr val="accent1">
+                        <a:lumMod val="40000"/>
+                        <a:lumOff val="60000"/>
+                      </a:schemeClr>
+                    </a:solidFill>
+                  </a:tcPr>
+                </a:tc>
+                <a:tc>
+                  <a:txBody>
+                    <a:bodyPr/>
+                    <a:lstStyle/>
+                    <a:p>
+                      <a:pPr algn="ctr" latinLnBrk="1"/>
+                      <a:r>
+                        <a:rPr lang="ko-KR" altLang="en-US" b="1">
                           <a:solidFill>
                             <a:schemeClr val="tx1"/>
                           </a:solidFill>
@@ -3142,6 +3136,12 @@
                         </a:rPr>
                         <a:t>진행 사항</a:t>
                       </a:r>
+                      <a:endParaRPr lang="ko-KR" altLang="en-US" b="1" dirty="0">
+                        <a:solidFill>
+                          <a:schemeClr val="bg1"/>
+                        </a:solidFill>
+                        <a:effectLst/>
+                      </a:endParaRPr>
                     </a:p>
                   </a:txBody>
                   <a:tcPr>
@@ -3286,7 +3286,7 @@
                     <a:noFill/>
                   </a:tcPr>
                 </a:tc>
-                <a:tc gridSpan="2">
+                <a:tc>
                   <a:txBody>
                     <a:bodyPr/>
                     <a:lstStyle/>
@@ -3333,65 +3333,27 @@
                     <a:noFill/>
                   </a:tcPr>
                 </a:tc>
-                <a:tc hMerge="1">
+                <a:tc>
                   <a:txBody>
                     <a:bodyPr/>
                     <a:lstStyle/>
                     <a:p>
                       <a:pPr algn="ctr" latinLnBrk="1"/>
+                      <a:r>
+                        <a:rPr lang="en-US" altLang="ko-KR" b="1">
+                          <a:solidFill>
+                            <a:schemeClr val="tx1"/>
+                          </a:solidFill>
+                          <a:effectLst/>
+                        </a:rPr>
+                        <a:t>100%</a:t>
+                      </a:r>
                       <a:endParaRPr lang="ko-KR" altLang="en-US" b="1" dirty="0">
                         <a:solidFill>
                           <a:schemeClr val="accent1">
                             <a:lumMod val="60000"/>
                             <a:lumOff val="40000"/>
                           </a:schemeClr>
-                        </a:solidFill>
-                        <a:effectLst/>
-                      </a:endParaRPr>
-                    </a:p>
-                  </a:txBody>
-                  <a:tcPr>
-                    <a:lnL>
-                      <a:noFill/>
-                    </a:lnL>
-                    <a:lnR>
-                      <a:noFill/>
-                    </a:lnR>
-                    <a:lnT w="12700" cmpd="sng">
-                      <a:noFill/>
-                    </a:lnT>
-                    <a:lnB>
-                      <a:noFill/>
-                    </a:lnB>
-                    <a:lnTlToBr w="12700" cmpd="sng">
-                      <a:noFill/>
-                      <a:prstDash val="solid"/>
-                    </a:lnTlToBr>
-                    <a:lnBlToTr w="12700" cmpd="sng">
-                      <a:noFill/>
-                      <a:prstDash val="solid"/>
-                    </a:lnBlToTr>
-                    <a:noFill/>
-                  </a:tcPr>
-                </a:tc>
-                <a:tc>
-                  <a:txBody>
-                    <a:bodyPr/>
-                    <a:lstStyle/>
-                    <a:p>
-                      <a:pPr algn="ctr" latinLnBrk="1"/>
-                      <a:r>
-                        <a:rPr lang="en-US" altLang="ko-KR" b="1" dirty="0">
-                          <a:solidFill>
-                            <a:schemeClr val="tx1"/>
-                          </a:solidFill>
-                          <a:effectLst/>
-                        </a:rPr>
-                        <a:t>100%</a:t>
-                      </a:r>
-                      <a:endParaRPr lang="ko-KR" altLang="en-US" b="1" dirty="0">
-                        <a:solidFill>
-                          <a:schemeClr val="tx1"/>
                         </a:solidFill>
                         <a:effectLst/>
                       </a:endParaRPr>
@@ -3544,7 +3506,7 @@
                     </a:solidFill>
                   </a:tcPr>
                 </a:tc>
-                <a:tc gridSpan="2">
+                <a:tc>
                   <a:txBody>
                     <a:bodyPr/>
                     <a:lstStyle/>
@@ -3624,70 +3586,52 @@
                     </a:solidFill>
                   </a:tcPr>
                 </a:tc>
-                <a:tc hMerge="1">
+                <a:tc>
                   <a:txBody>
                     <a:bodyPr/>
                     <a:lstStyle/>
                     <a:p>
-                      <a:pPr algn="ctr" latinLnBrk="1"/>
+                      <a:pPr marL="0" marR="0" lvl="0" indent="0" algn="ctr" defTabSz="914400" rtl="0" eaLnBrk="1" fontAlgn="auto" latinLnBrk="1" hangingPunct="1">
+                        <a:lnSpc>
+                          <a:spcPct val="100000"/>
+                        </a:lnSpc>
+                        <a:spcBef>
+                          <a:spcPts val="0"/>
+                        </a:spcBef>
+                        <a:spcAft>
+                          <a:spcPts val="0"/>
+                        </a:spcAft>
+                        <a:buClrTx/>
+                        <a:buSzTx/>
+                        <a:buFontTx/>
+                        <a:buNone/>
+                        <a:tabLst/>
+                        <a:defRPr/>
+                      </a:pPr>
+                      <a:r>
+                        <a:rPr lang="en-US" altLang="ko-KR" b="1">
+                          <a:solidFill>
+                            <a:schemeClr val="tx1"/>
+                          </a:solidFill>
+                          <a:effectLst/>
+                        </a:rPr>
+                        <a:t>90% -&gt; </a:t>
+                      </a:r>
+                      <a:r>
+                        <a:rPr lang="ko-KR" altLang="en-US" b="1">
+                          <a:solidFill>
+                            <a:schemeClr val="tx1"/>
+                          </a:solidFill>
+                          <a:effectLst/>
+                        </a:rPr>
+                        <a:t>윗부분 장애물 미설치</a:t>
+                      </a:r>
                       <a:endParaRPr lang="ko-KR" altLang="en-US" b="1" dirty="0">
                         <a:solidFill>
                           <a:schemeClr val="accent1">
                             <a:lumMod val="60000"/>
                             <a:lumOff val="40000"/>
                           </a:schemeClr>
-                        </a:solidFill>
-                        <a:effectLst/>
-                      </a:endParaRPr>
-                    </a:p>
-                  </a:txBody>
-                  <a:tcPr>
-                    <a:lnL>
-                      <a:noFill/>
-                    </a:lnL>
-                    <a:lnR>
-                      <a:noFill/>
-                    </a:lnR>
-                    <a:lnT>
-                      <a:noFill/>
-                    </a:lnT>
-                    <a:lnB>
-                      <a:noFill/>
-                    </a:lnB>
-                    <a:lnTlToBr w="12700" cmpd="sng">
-                      <a:noFill/>
-                      <a:prstDash val="solid"/>
-                    </a:lnTlToBr>
-                    <a:lnBlToTr w="12700" cmpd="sng">
-                      <a:noFill/>
-                      <a:prstDash val="solid"/>
-                    </a:lnBlToTr>
-                    <a:solidFill>
-                      <a:schemeClr val="accent1">
-                        <a:lumMod val="20000"/>
-                        <a:lumOff val="80000"/>
-                      </a:schemeClr>
-                    </a:solidFill>
-                  </a:tcPr>
-                </a:tc>
-                <a:tc>
-                  <a:txBody>
-                    <a:bodyPr/>
-                    <a:lstStyle/>
-                    <a:p>
-                      <a:pPr algn="ctr" latinLnBrk="1"/>
-                      <a:r>
-                        <a:rPr lang="en-US" altLang="ko-KR" b="1" dirty="0">
-                          <a:solidFill>
-                            <a:schemeClr val="tx1"/>
-                          </a:solidFill>
-                          <a:effectLst/>
-                        </a:rPr>
-                        <a:t>100%</a:t>
-                      </a:r>
-                      <a:endParaRPr lang="ko-KR" altLang="en-US" b="1" dirty="0">
-                        <a:solidFill>
-                          <a:schemeClr val="tx1"/>
                         </a:solidFill>
                         <a:effectLst/>
                       </a:endParaRPr>
@@ -3729,7 +3673,7 @@
                 </a:extLst>
               </a:tr>
               <a:tr h="626105">
-                <a:tc rowSpan="2">
+                <a:tc>
                   <a:txBody>
                     <a:bodyPr/>
                     <a:lstStyle/>
@@ -3788,7 +3732,7 @@
                     <a:noFill/>
                   </a:tcPr>
                 </a:tc>
-                <a:tc rowSpan="2">
+                <a:tc>
                   <a:txBody>
                     <a:bodyPr/>
                     <a:lstStyle/>
@@ -3835,7 +3779,7 @@
                     <a:noFill/>
                   </a:tcPr>
                 </a:tc>
-                <a:tc gridSpan="2">
+                <a:tc>
                   <a:txBody>
                     <a:bodyPr/>
                     <a:lstStyle/>
@@ -3894,12 +3838,21 @@
                     <a:noFill/>
                   </a:tcPr>
                 </a:tc>
-                <a:tc hMerge="1">
+                <a:tc>
                   <a:txBody>
                     <a:bodyPr/>
                     <a:lstStyle/>
                     <a:p>
                       <a:pPr algn="ctr" latinLnBrk="1"/>
+                      <a:r>
+                        <a:rPr lang="en-US" altLang="ko-KR" b="1">
+                          <a:solidFill>
+                            <a:schemeClr val="tx1"/>
+                          </a:solidFill>
+                          <a:effectLst/>
+                        </a:rPr>
+                        <a:t>100%</a:t>
+                      </a:r>
                       <a:endParaRPr lang="ko-KR" altLang="en-US" b="1" dirty="0">
                         <a:solidFill>
                           <a:schemeClr val="accent1">
@@ -3935,218 +3888,9 @@
                     <a:noFill/>
                   </a:tcPr>
                 </a:tc>
-                <a:tc>
-                  <a:txBody>
-                    <a:bodyPr/>
-                    <a:lstStyle/>
-                    <a:p>
-                      <a:pPr algn="ctr" latinLnBrk="1"/>
-                      <a:r>
-                        <a:rPr lang="en-US" altLang="ko-KR" b="1" dirty="0">
-                          <a:solidFill>
-                            <a:schemeClr val="tx1"/>
-                          </a:solidFill>
-                          <a:effectLst/>
-                        </a:rPr>
-                        <a:t>100%</a:t>
-                      </a:r>
-                    </a:p>
-                  </a:txBody>
-                  <a:tcPr>
-                    <a:lnL>
-                      <a:noFill/>
-                    </a:lnL>
-                    <a:lnR>
-                      <a:noFill/>
-                    </a:lnR>
-                    <a:lnT>
-                      <a:noFill/>
-                    </a:lnT>
-                    <a:lnB>
-                      <a:noFill/>
-                    </a:lnB>
-                    <a:lnTlToBr w="12700" cmpd="sng">
-                      <a:noFill/>
-                      <a:prstDash val="solid"/>
-                    </a:lnTlToBr>
-                    <a:lnBlToTr w="12700" cmpd="sng">
-                      <a:noFill/>
-                      <a:prstDash val="solid"/>
-                    </a:lnBlToTr>
-                    <a:noFill/>
-                  </a:tcPr>
-                </a:tc>
                 <a:extLst>
                   <a:ext uri="{0D108BD9-81ED-4DB2-BD59-A6C34878D82A}">
                     <a16:rowId xmlns:a16="http://schemas.microsoft.com/office/drawing/2014/main" val="3130040258"/>
-                  </a:ext>
-                </a:extLst>
-              </a:tr>
-              <a:tr h="357774">
-                <a:tc vMerge="1">
-                  <a:txBody>
-                    <a:bodyPr/>
-                    <a:lstStyle/>
-                    <a:p>
-                      <a:pPr latinLnBrk="1"/>
-                      <a:endParaRPr lang="ko-KR" altLang="en-US"/>
-                    </a:p>
-                  </a:txBody>
-                  <a:tcPr/>
-                </a:tc>
-                <a:tc vMerge="1">
-                  <a:txBody>
-                    <a:bodyPr/>
-                    <a:lstStyle/>
-                    <a:p>
-                      <a:pPr latinLnBrk="1"/>
-                      <a:endParaRPr lang="ko-KR" altLang="en-US"/>
-                    </a:p>
-                  </a:txBody>
-                  <a:tcPr/>
-                </a:tc>
-                <a:tc gridSpan="3">
-                  <a:txBody>
-                    <a:bodyPr/>
-                    <a:lstStyle/>
-                    <a:p>
-                      <a:pPr algn="ctr" latinLnBrk="1"/>
-                      <a:r>
-                        <a:rPr lang="en-US" altLang="ko-KR" b="1" dirty="0">
-                          <a:solidFill>
-                            <a:srgbClr val="C00000"/>
-                          </a:solidFill>
-                          <a:effectLst/>
-                        </a:rPr>
-                        <a:t>-&gt; </a:t>
-                      </a:r>
-                      <a:r>
-                        <a:rPr lang="ko-KR" altLang="en-US" b="1" dirty="0">
-                          <a:solidFill>
-                            <a:srgbClr val="C00000"/>
-                          </a:solidFill>
-                          <a:effectLst/>
-                        </a:rPr>
-                        <a:t>캐릭터 추가 </a:t>
-                      </a:r>
-                      <a:r>
-                        <a:rPr lang="en-US" altLang="ko-KR" b="1" dirty="0">
-                          <a:solidFill>
-                            <a:srgbClr val="C00000"/>
-                          </a:solidFill>
-                          <a:effectLst/>
-                        </a:rPr>
-                        <a:t>1</a:t>
-                      </a:r>
-                      <a:r>
-                        <a:rPr lang="ko-KR" altLang="en-US" b="1" dirty="0">
-                          <a:solidFill>
-                            <a:srgbClr val="C00000"/>
-                          </a:solidFill>
-                          <a:effectLst/>
-                        </a:rPr>
-                        <a:t>종은 </a:t>
-                      </a:r>
-                      <a:r>
-                        <a:rPr lang="en-US" altLang="ko-KR" b="1" dirty="0">
-                          <a:solidFill>
-                            <a:srgbClr val="C00000"/>
-                          </a:solidFill>
-                          <a:effectLst/>
-                        </a:rPr>
-                        <a:t>7</a:t>
-                      </a:r>
-                      <a:r>
-                        <a:rPr lang="ko-KR" altLang="en-US" b="1" dirty="0">
-                          <a:solidFill>
-                            <a:srgbClr val="C00000"/>
-                          </a:solidFill>
-                          <a:effectLst/>
-                        </a:rPr>
-                        <a:t>주차에 구현할 캐릭터 선택화면에서 확인 가능</a:t>
-                      </a:r>
-                    </a:p>
-                  </a:txBody>
-                  <a:tcPr>
-                    <a:lnL>
-                      <a:noFill/>
-                    </a:lnL>
-                    <a:lnR>
-                      <a:noFill/>
-                    </a:lnR>
-                    <a:lnT>
-                      <a:noFill/>
-                    </a:lnT>
-                    <a:lnB>
-                      <a:noFill/>
-                    </a:lnB>
-                    <a:lnTlToBr w="12700" cmpd="sng">
-                      <a:noFill/>
-                      <a:prstDash val="solid"/>
-                    </a:lnTlToBr>
-                    <a:lnBlToTr w="12700" cmpd="sng">
-                      <a:noFill/>
-                      <a:prstDash val="solid"/>
-                    </a:lnBlToTr>
-                    <a:noFill/>
-                  </a:tcPr>
-                </a:tc>
-                <a:tc hMerge="1">
-                  <a:txBody>
-                    <a:bodyPr/>
-                    <a:lstStyle/>
-                    <a:p>
-                      <a:pPr latinLnBrk="1"/>
-                      <a:endParaRPr lang="ko-KR" altLang="en-US"/>
-                    </a:p>
-                  </a:txBody>
-                  <a:tcPr>
-                    <a:lnT>
-                      <a:noFill/>
-                    </a:lnT>
-                  </a:tcPr>
-                </a:tc>
-                <a:tc hMerge="1">
-                  <a:txBody>
-                    <a:bodyPr/>
-                    <a:lstStyle/>
-                    <a:p>
-                      <a:pPr algn="ctr" latinLnBrk="1"/>
-                      <a:endParaRPr lang="en-US" altLang="ko-KR" b="1" dirty="0">
-                        <a:solidFill>
-                          <a:schemeClr val="tx1"/>
-                        </a:solidFill>
-                        <a:effectLst/>
-                      </a:endParaRPr>
-                    </a:p>
-                  </a:txBody>
-                  <a:tcPr>
-                    <a:lnL>
-                      <a:noFill/>
-                    </a:lnL>
-                    <a:lnR>
-                      <a:noFill/>
-                    </a:lnR>
-                    <a:lnT>
-                      <a:noFill/>
-                    </a:lnT>
-                    <a:lnB>
-                      <a:noFill/>
-                    </a:lnB>
-                    <a:lnTlToBr w="12700" cmpd="sng">
-                      <a:noFill/>
-                      <a:prstDash val="solid"/>
-                    </a:lnTlToBr>
-                    <a:lnBlToTr w="12700" cmpd="sng">
-                      <a:noFill/>
-                      <a:prstDash val="solid"/>
-                    </a:lnBlToTr>
-                    <a:noFill/>
-                  </a:tcPr>
-                </a:tc>
-                <a:extLst>
-                  <a:ext uri="{0D108BD9-81ED-4DB2-BD59-A6C34878D82A}">
-                    <a16:rowId xmlns:a16="http://schemas.microsoft.com/office/drawing/2014/main" val="2257863562"/>
                   </a:ext>
                 </a:extLst>
               </a:tr>
@@ -4330,7 +4074,7 @@
                     </a:solidFill>
                   </a:tcPr>
                 </a:tc>
-                <a:tc gridSpan="2">
+                <a:tc>
                   <a:txBody>
                     <a:bodyPr/>
                     <a:lstStyle/>
@@ -4367,41 +4111,6 @@
                     <a:lnT>
                       <a:noFill/>
                     </a:lnT>
-                    <a:lnB>
-                      <a:noFill/>
-                    </a:lnB>
-                    <a:lnTlToBr w="12700" cmpd="sng">
-                      <a:noFill/>
-                      <a:prstDash val="solid"/>
-                    </a:lnTlToBr>
-                    <a:lnBlToTr w="12700" cmpd="sng">
-                      <a:noFill/>
-                      <a:prstDash val="solid"/>
-                    </a:lnBlToTr>
-                    <a:solidFill>
-                      <a:schemeClr val="accent1">
-                        <a:lumMod val="20000"/>
-                        <a:lumOff val="80000"/>
-                      </a:schemeClr>
-                    </a:solidFill>
-                  </a:tcPr>
-                </a:tc>
-                <a:tc hMerge="1">
-                  <a:txBody>
-                    <a:bodyPr/>
-                    <a:lstStyle/>
-                    <a:p>
-                      <a:pPr algn="ctr" latinLnBrk="1"/>
-                      <a:endParaRPr lang="ko-KR" altLang="en-US" dirty="0"/>
-                    </a:p>
-                  </a:txBody>
-                  <a:tcPr>
-                    <a:lnL>
-                      <a:noFill/>
-                    </a:lnL>
-                    <a:lnR>
-                      <a:noFill/>
-                    </a:lnR>
                     <a:lnB>
                       <a:noFill/>
                     </a:lnB>
@@ -4436,12 +4145,7 @@
                         </a:rPr>
                         <a:t>100%</a:t>
                       </a:r>
-                      <a:endParaRPr lang="ko-KR" altLang="en-US" b="1" dirty="0">
-                        <a:solidFill>
-                          <a:schemeClr val="tx1"/>
-                        </a:solidFill>
-                        <a:effectLst/>
-                      </a:endParaRPr>
+                      <a:endParaRPr lang="ko-KR" altLang="en-US" b="1" dirty="0"/>
                     </a:p>
                   </a:txBody>
                   <a:tcPr>
@@ -4502,7 +4206,7 @@
                   </a:txBody>
                   <a:tcPr/>
                 </a:tc>
-                <a:tc gridSpan="3">
+                <a:tc gridSpan="2">
                   <a:txBody>
                     <a:bodyPr/>
                     <a:lstStyle/>
@@ -4567,54 +4271,7 @@
                       <a:endParaRPr lang="ko-KR" altLang="en-US"/>
                     </a:p>
                   </a:txBody>
-                  <a:tcPr>
-                    <a:lnT>
-                      <a:noFill/>
-                    </a:lnT>
-                  </a:tcPr>
-                </a:tc>
-                <a:tc hMerge="1">
-                  <a:txBody>
-                    <a:bodyPr/>
-                    <a:lstStyle/>
-                    <a:p>
-                      <a:pPr algn="ctr" latinLnBrk="1"/>
-                      <a:endParaRPr lang="ko-KR" altLang="en-US" b="1" dirty="0">
-                        <a:solidFill>
-                          <a:schemeClr val="tx1"/>
-                        </a:solidFill>
-                        <a:effectLst/>
-                      </a:endParaRPr>
-                    </a:p>
-                  </a:txBody>
-                  <a:tcPr>
-                    <a:lnL>
-                      <a:noFill/>
-                    </a:lnL>
-                    <a:lnR>
-                      <a:noFill/>
-                    </a:lnR>
-                    <a:lnT>
-                      <a:noFill/>
-                    </a:lnT>
-                    <a:lnB>
-                      <a:noFill/>
-                    </a:lnB>
-                    <a:lnTlToBr w="12700" cmpd="sng">
-                      <a:noFill/>
-                      <a:prstDash val="solid"/>
-                    </a:lnTlToBr>
-                    <a:lnBlToTr w="12700" cmpd="sng">
-                      <a:noFill/>
-                      <a:prstDash val="solid"/>
-                    </a:lnBlToTr>
-                    <a:solidFill>
-                      <a:schemeClr val="accent1">
-                        <a:lumMod val="20000"/>
-                        <a:lumOff val="80000"/>
-                      </a:schemeClr>
-                    </a:solidFill>
-                  </a:tcPr>
+                  <a:tcPr/>
                 </a:tc>
                 <a:extLst>
                   <a:ext uri="{0D108BD9-81ED-4DB2-BD59-A6C34878D82A}">
@@ -4630,7 +4287,7 @@
                     <a:p>
                       <a:pPr algn="ctr" latinLnBrk="1"/>
                       <a:r>
-                        <a:rPr lang="en-US" altLang="ko-KR" sz="1800" b="0" dirty="0">
+                        <a:rPr lang="en-US" altLang="ko-KR" sz="1700" b="0" dirty="0">
                           <a:solidFill>
                             <a:schemeClr val="tx1"/>
                           </a:solidFill>
@@ -4639,7 +4296,7 @@
                         <a:t>5</a:t>
                       </a:r>
                       <a:r>
-                        <a:rPr lang="ko-KR" altLang="en-US" sz="1800" b="0" dirty="0">
+                        <a:rPr lang="ko-KR" altLang="en-US" sz="1700" b="0" dirty="0">
                           <a:solidFill>
                             <a:schemeClr val="tx1"/>
                           </a:solidFill>
@@ -4648,7 +4305,7 @@
                         <a:t>주차</a:t>
                       </a:r>
                       <a:r>
-                        <a:rPr lang="en-US" altLang="ko-KR" sz="1800" b="0" dirty="0">
+                        <a:rPr lang="en-US" altLang="ko-KR" sz="1700" b="0" dirty="0">
                           <a:solidFill>
                             <a:schemeClr val="tx1"/>
                           </a:solidFill>
@@ -4656,7 +4313,7 @@
                         </a:rPr>
                         <a:t>(10/29~)</a:t>
                       </a:r>
-                      <a:endParaRPr lang="ko-KR" altLang="en-US" sz="1800" b="0" dirty="0">
+                      <a:endParaRPr lang="ko-KR" altLang="en-US" sz="1700" b="0" dirty="0">
                         <a:solidFill>
                           <a:schemeClr val="tx1"/>
                         </a:solidFill>
@@ -4711,7 +4368,7 @@
                         <a:defRPr/>
                       </a:pPr>
                       <a:r>
-                        <a:rPr lang="ko-KR" altLang="en-US" sz="1600" b="0" dirty="0">
+                        <a:rPr lang="ko-KR" altLang="en-US" sz="1700" b="0" dirty="0">
                           <a:solidFill>
                             <a:schemeClr val="tx1"/>
                           </a:solidFill>
@@ -4768,7 +4425,7 @@
                         <a:defRPr/>
                       </a:pPr>
                       <a:r>
-                        <a:rPr lang="ko-KR" altLang="en-US" sz="1600" b="0" dirty="0">
+                        <a:rPr lang="ko-KR" altLang="en-US" sz="1700" b="0" dirty="0">
                           <a:solidFill>
                             <a:schemeClr val="tx1"/>
                           </a:solidFill>
@@ -4802,7 +4459,7 @@
                     <a:noFill/>
                   </a:tcPr>
                 </a:tc>
-                <a:tc gridSpan="2">
+                <a:tc>
                   <a:txBody>
                     <a:bodyPr/>
                     <a:lstStyle/>
@@ -4825,7 +4482,7 @@
                         <a:defRPr/>
                       </a:pPr>
                       <a:r>
-                        <a:rPr lang="en-US" altLang="ko-KR" sz="1600" b="0" dirty="0">
+                        <a:rPr lang="en-US" altLang="ko-KR" sz="1700" b="0">
                           <a:solidFill>
                             <a:schemeClr val="tx1"/>
                           </a:solidFill>
@@ -4834,7 +4491,7 @@
                         <a:t>10% -&gt;</a:t>
                       </a:r>
                       <a:r>
-                        <a:rPr lang="ko-KR" altLang="en-US" sz="1600" b="0" dirty="0">
+                        <a:rPr lang="ko-KR" altLang="en-US" sz="1700" b="0">
                           <a:solidFill>
                             <a:schemeClr val="tx1"/>
                           </a:solidFill>
@@ -4842,6 +4499,12 @@
                         </a:rPr>
                         <a:t>진행중</a:t>
                       </a:r>
+                      <a:endParaRPr lang="ko-KR" altLang="en-US" sz="1700" b="0" dirty="0">
+                        <a:solidFill>
+                          <a:schemeClr val="tx1"/>
+                        </a:solidFill>
+                        <a:effectLst/>
+                      </a:endParaRPr>
                     </a:p>
                   </a:txBody>
                   <a:tcPr>
@@ -4851,6 +4514,9 @@
                     <a:lnR>
                       <a:noFill/>
                     </a:lnR>
+                    <a:lnT>
+                      <a:noFill/>
+                    </a:lnT>
                     <a:lnB>
                       <a:noFill/>
                     </a:lnB>
@@ -4865,7 +4531,175 @@
                     <a:noFill/>
                   </a:tcPr>
                 </a:tc>
-                <a:tc hMerge="1">
+                <a:extLst>
+                  <a:ext uri="{0D108BD9-81ED-4DB2-BD59-A6C34878D82A}">
+                    <a16:rowId xmlns:a16="http://schemas.microsoft.com/office/drawing/2014/main" val="3026774773"/>
+                  </a:ext>
+                </a:extLst>
+              </a:tr>
+              <a:tr h="333675">
+                <a:tc>
+                  <a:txBody>
+                    <a:bodyPr/>
+                    <a:lstStyle/>
+                    <a:p>
+                      <a:pPr algn="ctr" latinLnBrk="1"/>
+                      <a:r>
+                        <a:rPr lang="en-US" altLang="ko-KR" sz="1700" b="1" dirty="0">
+                          <a:solidFill>
+                            <a:srgbClr val="FF0000"/>
+                          </a:solidFill>
+                          <a:effectLst/>
+                        </a:rPr>
+                        <a:t>6</a:t>
+                      </a:r>
+                      <a:r>
+                        <a:rPr lang="ko-KR" altLang="en-US" sz="1700" b="1" dirty="0">
+                          <a:solidFill>
+                            <a:srgbClr val="FF0000"/>
+                          </a:solidFill>
+                          <a:effectLst/>
+                        </a:rPr>
+                        <a:t>주차</a:t>
+                      </a:r>
+                      <a:endParaRPr lang="en-US" altLang="ko-KR" sz="1700" b="1" dirty="0">
+                        <a:solidFill>
+                          <a:srgbClr val="FF0000"/>
+                        </a:solidFill>
+                        <a:effectLst/>
+                      </a:endParaRPr>
+                    </a:p>
+                    <a:p>
+                      <a:pPr algn="ctr" latinLnBrk="1"/>
+                      <a:r>
+                        <a:rPr lang="en-US" altLang="ko-KR" sz="1700" b="1" dirty="0">
+                          <a:solidFill>
+                            <a:srgbClr val="FF0000"/>
+                          </a:solidFill>
+                          <a:effectLst/>
+                        </a:rPr>
+                        <a:t>(7</a:t>
+                      </a:r>
+                      <a:r>
+                        <a:rPr lang="ko-KR" altLang="en-US" sz="1700" b="1" dirty="0">
+                          <a:solidFill>
+                            <a:srgbClr val="FF0000"/>
+                          </a:solidFill>
+                          <a:effectLst/>
+                        </a:rPr>
+                        <a:t>주차 </a:t>
+                      </a:r>
+                      <a:r>
+                        <a:rPr lang="en-US" altLang="ko-KR" sz="1700" b="1" dirty="0">
+                          <a:solidFill>
+                            <a:srgbClr val="FF0000"/>
+                          </a:solidFill>
+                          <a:effectLst/>
+                        </a:rPr>
+                        <a:t>-&gt; 6</a:t>
+                      </a:r>
+                      <a:r>
+                        <a:rPr lang="ko-KR" altLang="en-US" sz="1700" b="1" dirty="0">
+                          <a:solidFill>
+                            <a:srgbClr val="FF0000"/>
+                          </a:solidFill>
+                          <a:effectLst/>
+                        </a:rPr>
+                        <a:t>주차</a:t>
+                      </a:r>
+                      <a:r>
+                        <a:rPr lang="en-US" altLang="ko-KR" sz="1700" b="1" dirty="0">
+                          <a:solidFill>
+                            <a:srgbClr val="FF0000"/>
+                          </a:solidFill>
+                          <a:effectLst/>
+                        </a:rPr>
+                        <a:t>)</a:t>
+                      </a:r>
+                      <a:endParaRPr lang="ko-KR" altLang="en-US" sz="1700" b="1" dirty="0">
+                        <a:solidFill>
+                          <a:srgbClr val="FF0000"/>
+                        </a:solidFill>
+                        <a:effectLst/>
+                      </a:endParaRPr>
+                    </a:p>
+                  </a:txBody>
+                  <a:tcPr>
+                    <a:lnL>
+                      <a:noFill/>
+                    </a:lnL>
+                    <a:lnR>
+                      <a:noFill/>
+                    </a:lnR>
+                    <a:lnT>
+                      <a:noFill/>
+                    </a:lnT>
+                    <a:lnB>
+                      <a:noFill/>
+                    </a:lnB>
+                    <a:lnTlToBr w="12700" cmpd="sng">
+                      <a:noFill/>
+                      <a:prstDash val="solid"/>
+                    </a:lnTlToBr>
+                    <a:lnBlToTr w="12700" cmpd="sng">
+                      <a:noFill/>
+                      <a:prstDash val="solid"/>
+                    </a:lnBlToTr>
+                    <a:solidFill>
+                      <a:schemeClr val="accent1">
+                        <a:lumMod val="20000"/>
+                        <a:lumOff val="80000"/>
+                      </a:schemeClr>
+                    </a:solidFill>
+                  </a:tcPr>
+                </a:tc>
+                <a:tc>
+                  <a:txBody>
+                    <a:bodyPr/>
+                    <a:lstStyle/>
+                    <a:p>
+                      <a:pPr algn="ctr" latinLnBrk="1"/>
+                      <a:r>
+                        <a:rPr lang="ko-KR" altLang="en-US" sz="1700" b="1" dirty="0">
+                          <a:solidFill>
+                            <a:srgbClr val="FF0000"/>
+                          </a:solidFill>
+                          <a:effectLst/>
+                        </a:rPr>
+                        <a:t>화면</a:t>
+                      </a:r>
+                    </a:p>
+                  </a:txBody>
+                  <a:tcPr>
+                    <a:lnL>
+                      <a:noFill/>
+                    </a:lnL>
+                    <a:lnR>
+                      <a:noFill/>
+                    </a:lnR>
+                    <a:lnT>
+                      <a:noFill/>
+                    </a:lnT>
+                    <a:lnB>
+                      <a:noFill/>
+                    </a:lnB>
+                    <a:lnTlToBr w="12700" cmpd="sng">
+                      <a:noFill/>
+                      <a:prstDash val="solid"/>
+                    </a:lnTlToBr>
+                    <a:lnBlToTr w="12700" cmpd="sng">
+                      <a:noFill/>
+                      <a:prstDash val="solid"/>
+                    </a:lnBlToTr>
+                    <a:solidFill>
+                      <a:schemeClr val="accent1">
+                        <a:lumMod val="20000"/>
+                        <a:lumOff val="80000"/>
+                      </a:schemeClr>
+                    </a:solidFill>
+                  </a:tcPr>
+                </a:tc>
+                <a:tc>
                   <a:txBody>
                     <a:bodyPr/>
                     <a:lstStyle/>
@@ -4888,14 +4722,56 @@
                         <a:defRPr/>
                       </a:pPr>
                       <a:r>
-                        <a:rPr lang="en-US" altLang="ko-KR" b="1" dirty="0">
-                          <a:solidFill>
-                            <a:schemeClr val="tx1"/>
-                          </a:solidFill>
-                          <a:effectLst/>
-                        </a:rPr>
-                        <a:t>10%</a:t>
-                      </a:r>
+                        <a:rPr lang="ko-KR" altLang="en-US" sz="1700" b="1" dirty="0">
+                          <a:solidFill>
+                            <a:srgbClr val="FF0000"/>
+                          </a:solidFill>
+                          <a:effectLst/>
+                        </a:rPr>
+                        <a:t>로딩화면</a:t>
+                      </a:r>
+                      <a:r>
+                        <a:rPr lang="en-US" altLang="ko-KR" sz="1700" b="1" dirty="0">
+                          <a:solidFill>
+                            <a:srgbClr val="FF0000"/>
+                          </a:solidFill>
+                          <a:effectLst/>
+                        </a:rPr>
+                        <a:t>, </a:t>
+                      </a:r>
+                      <a:r>
+                        <a:rPr lang="ko-KR" altLang="en-US" sz="1700" b="1" dirty="0">
+                          <a:solidFill>
+                            <a:srgbClr val="FF0000"/>
+                          </a:solidFill>
+                          <a:effectLst/>
+                        </a:rPr>
+                        <a:t>게임</a:t>
+                      </a:r>
+                      <a:r>
+                        <a:rPr lang="en-US" altLang="ko-KR" sz="1700" b="1" dirty="0">
+                          <a:solidFill>
+                            <a:srgbClr val="FF0000"/>
+                          </a:solidFill>
+                          <a:effectLst/>
+                        </a:rPr>
+                        <a:t> </a:t>
+                      </a:r>
+                      <a:r>
+                        <a:rPr lang="ko-KR" altLang="en-US" sz="1700" b="1" dirty="0">
+                          <a:solidFill>
+                            <a:srgbClr val="FF0000"/>
+                          </a:solidFill>
+                          <a:effectLst/>
+                        </a:rPr>
+                        <a:t>종료화면</a:t>
+                      </a:r>
+                      <a:endParaRPr lang="en-US" altLang="ko-KR" sz="1700" b="1" dirty="0">
+                        <a:solidFill>
+                          <a:srgbClr val="FF0000"/>
+                        </a:solidFill>
+                        <a:effectLst/>
+                      </a:endParaRPr>
                     </a:p>
                     <a:p>
                       <a:pPr marL="0" marR="0" lvl="0" indent="0" algn="ctr" defTabSz="914400" rtl="0" eaLnBrk="1" fontAlgn="auto" latinLnBrk="1" hangingPunct="1">
@@ -4916,140 +4792,32 @@
                         <a:defRPr/>
                       </a:pPr>
                       <a:r>
-                        <a:rPr lang="en-US" altLang="ko-KR" b="1" dirty="0">
-                          <a:solidFill>
-                            <a:schemeClr val="tx1"/>
-                          </a:solidFill>
-                          <a:effectLst/>
-                        </a:rPr>
-                        <a:t>-&gt; </a:t>
-                      </a:r>
-                      <a:r>
-                        <a:rPr lang="ko-KR" altLang="en-US" b="1" dirty="0">
-                          <a:solidFill>
-                            <a:schemeClr val="tx1"/>
-                          </a:solidFill>
-                          <a:effectLst/>
-                        </a:rPr>
-                        <a:t>발표 시점 현재 진행중</a:t>
-                      </a:r>
-                    </a:p>
-                  </a:txBody>
-                  <a:tcPr>
-                    <a:lnL>
-                      <a:noFill/>
-                    </a:lnL>
-                    <a:lnR>
-                      <a:noFill/>
-                    </a:lnR>
-                    <a:lnT>
-                      <a:noFill/>
-                    </a:lnT>
-                    <a:lnB>
-                      <a:noFill/>
-                    </a:lnB>
-                    <a:lnTlToBr w="12700" cmpd="sng">
-                      <a:noFill/>
-                      <a:prstDash val="solid"/>
-                    </a:lnTlToBr>
-                    <a:lnBlToTr w="12700" cmpd="sng">
-                      <a:noFill/>
-                      <a:prstDash val="solid"/>
-                    </a:lnBlToTr>
-                    <a:noFill/>
-                  </a:tcPr>
-                </a:tc>
-                <a:extLst>
-                  <a:ext uri="{0D108BD9-81ED-4DB2-BD59-A6C34878D82A}">
-                    <a16:rowId xmlns:a16="http://schemas.microsoft.com/office/drawing/2014/main" val="3026774773"/>
-                  </a:ext>
-                </a:extLst>
-              </a:tr>
-              <a:tr h="333675">
-                <a:tc>
-                  <a:txBody>
-                    <a:bodyPr/>
-                    <a:lstStyle/>
-                    <a:p>
-                      <a:pPr algn="ctr" latinLnBrk="1"/>
-                      <a:r>
-                        <a:rPr lang="en-US" altLang="ko-KR" sz="1800" b="1" dirty="0">
+                        <a:rPr lang="ko-KR" altLang="en-US" sz="1700" b="1" dirty="0">
                           <a:solidFill>
                             <a:srgbClr val="FF0000"/>
                           </a:solidFill>
                           <a:effectLst/>
                         </a:rPr>
-                        <a:t>6</a:t>
-                      </a:r>
-                      <a:r>
-                        <a:rPr lang="ko-KR" altLang="en-US" sz="1800" b="1" dirty="0">
+                        <a:t>캐릭터 선택화면</a:t>
+                      </a:r>
+                      <a:r>
+                        <a:rPr lang="en-US" altLang="ko-KR" sz="1700" b="1" dirty="0">
                           <a:solidFill>
                             <a:srgbClr val="FF0000"/>
                           </a:solidFill>
                           <a:effectLst/>
                         </a:rPr>
-                        <a:t>주차</a:t>
-                      </a:r>
-                      <a:endParaRPr lang="en-US" altLang="ko-KR" sz="1600" b="1" dirty="0">
-                        <a:solidFill>
-                          <a:srgbClr val="FF0000"/>
-                        </a:solidFill>
-                        <a:effectLst/>
-                      </a:endParaRPr>
-                    </a:p>
-                    <a:p>
-                      <a:pPr algn="ctr" latinLnBrk="1"/>
-                      <a:r>
-                        <a:rPr lang="en-US" altLang="ko-KR" sz="1600" b="1" dirty="0">
+                        <a:t> </a:t>
+                      </a:r>
+                      <a:r>
+                        <a:rPr lang="ko-KR" altLang="en-US" sz="1700" b="1" dirty="0">
                           <a:solidFill>
                             <a:srgbClr val="FF0000"/>
                           </a:solidFill>
                           <a:effectLst/>
                         </a:rPr>
-                        <a:t>(4</a:t>
-                      </a:r>
-                      <a:r>
-                        <a:rPr lang="ko-KR" altLang="en-US" sz="1600" b="1" dirty="0">
-                          <a:solidFill>
-                            <a:srgbClr val="FF0000"/>
-                          </a:solidFill>
-                          <a:effectLst/>
-                        </a:rPr>
-                        <a:t>주차 </a:t>
-                      </a:r>
-                      <a:r>
-                        <a:rPr lang="en-US" altLang="ko-KR" sz="1600" b="1" dirty="0">
-                          <a:solidFill>
-                            <a:srgbClr val="FF0000"/>
-                          </a:solidFill>
-                          <a:effectLst/>
-                        </a:rPr>
-                        <a:t>-&gt; 6</a:t>
-                      </a:r>
-                      <a:r>
-                        <a:rPr lang="ko-KR" altLang="en-US" sz="1600" b="1" dirty="0">
-                          <a:solidFill>
-                            <a:srgbClr val="FF0000"/>
-                          </a:solidFill>
-                          <a:effectLst/>
-                        </a:rPr>
-                        <a:t>주차</a:t>
-                      </a:r>
-                      <a:r>
-                        <a:rPr lang="en-US" altLang="ko-KR" sz="1600" b="1" dirty="0">
-                          <a:solidFill>
-                            <a:srgbClr val="FF0000"/>
-                          </a:solidFill>
-                          <a:effectLst/>
-                        </a:rPr>
-                        <a:t>)</a:t>
-                      </a:r>
-                      <a:endParaRPr lang="ko-KR" altLang="en-US" sz="1600" b="1" dirty="0">
-                        <a:solidFill>
-                          <a:srgbClr val="FF0000"/>
-                        </a:solidFill>
-                        <a:effectLst/>
-                      </a:endParaRPr>
+                        <a:t>등 각종 화면 구현</a:t>
+                      </a:r>
                     </a:p>
                   </a:txBody>
                   <a:tcPr>
@@ -5082,143 +4850,6 @@
                   </a:tcPr>
                 </a:tc>
                 <a:tc>
-                  <a:txBody>
-                    <a:bodyPr/>
-                    <a:lstStyle/>
-                    <a:p>
-                      <a:pPr algn="ctr" latinLnBrk="1"/>
-                      <a:r>
-                        <a:rPr lang="ko-KR" altLang="en-US" sz="1600" b="1" dirty="0">
-                          <a:solidFill>
-                            <a:srgbClr val="FF0000"/>
-                          </a:solidFill>
-                          <a:effectLst/>
-                        </a:rPr>
-                        <a:t>충돌체크</a:t>
-                      </a:r>
-                    </a:p>
-                  </a:txBody>
-                  <a:tcPr>
-                    <a:lnL>
-                      <a:noFill/>
-                    </a:lnL>
-                    <a:lnR>
-                      <a:noFill/>
-                    </a:lnR>
-                    <a:lnT>
-                      <a:noFill/>
-                    </a:lnT>
-                    <a:lnB>
-                      <a:noFill/>
-                    </a:lnB>
-                    <a:lnTlToBr w="12700" cmpd="sng">
-                      <a:noFill/>
-                      <a:prstDash val="solid"/>
-                    </a:lnTlToBr>
-                    <a:lnBlToTr w="12700" cmpd="sng">
-                      <a:noFill/>
-                      <a:prstDash val="solid"/>
-                    </a:lnBlToTr>
-                    <a:solidFill>
-                      <a:schemeClr val="accent1">
-                        <a:lumMod val="20000"/>
-                        <a:lumOff val="80000"/>
-                      </a:schemeClr>
-                    </a:solidFill>
-                  </a:tcPr>
-                </a:tc>
-                <a:tc>
-                  <a:txBody>
-                    <a:bodyPr/>
-                    <a:lstStyle/>
-                    <a:p>
-                      <a:pPr algn="ctr" latinLnBrk="1"/>
-                      <a:r>
-                        <a:rPr lang="ko-KR" altLang="en-US" sz="1600" b="1" dirty="0">
-                          <a:solidFill>
-                            <a:srgbClr val="FF0000"/>
-                          </a:solidFill>
-                          <a:effectLst/>
-                        </a:rPr>
-                        <a:t>캐릭터와 장애물</a:t>
-                      </a:r>
-                      <a:r>
-                        <a:rPr lang="en-US" altLang="ko-KR" sz="1600" b="1" dirty="0">
-                          <a:solidFill>
-                            <a:srgbClr val="FF0000"/>
-                          </a:solidFill>
-                          <a:effectLst/>
-                        </a:rPr>
-                        <a:t>&amp;</a:t>
-                      </a:r>
-                      <a:r>
-                        <a:rPr lang="ko-KR" altLang="en-US" sz="1600" b="1" dirty="0">
-                          <a:solidFill>
-                            <a:srgbClr val="FF0000"/>
-                          </a:solidFill>
-                          <a:effectLst/>
-                        </a:rPr>
-                        <a:t>아이템의 충돌 구현</a:t>
-                      </a:r>
-                      <a:endParaRPr lang="en-US" altLang="ko-KR" sz="1600" b="1" dirty="0">
-                        <a:solidFill>
-                          <a:srgbClr val="FF0000"/>
-                        </a:solidFill>
-                        <a:effectLst/>
-                      </a:endParaRPr>
-                    </a:p>
-                    <a:p>
-                      <a:pPr algn="ctr" latinLnBrk="1"/>
-                      <a:r>
-                        <a:rPr lang="ko-KR" altLang="en-US" sz="1600" b="1">
-                          <a:solidFill>
-                            <a:srgbClr val="FF0000"/>
-                          </a:solidFill>
-                          <a:effectLst/>
-                        </a:rPr>
-                        <a:t>장애물 충돌 </a:t>
-                      </a:r>
-                      <a:r>
-                        <a:rPr lang="ko-KR" altLang="en-US" sz="1600" b="1" dirty="0">
-                          <a:solidFill>
-                            <a:srgbClr val="FF0000"/>
-                          </a:solidFill>
-                          <a:effectLst/>
-                        </a:rPr>
-                        <a:t>시 게임 종료</a:t>
-                      </a:r>
-                    </a:p>
-                  </a:txBody>
-                  <a:tcPr>
-                    <a:lnL>
-                      <a:noFill/>
-                    </a:lnL>
-                    <a:lnR>
-                      <a:noFill/>
-                    </a:lnR>
-                    <a:lnT>
-                      <a:noFill/>
-                    </a:lnT>
-                    <a:lnB>
-                      <a:noFill/>
-                    </a:lnB>
-                    <a:lnTlToBr w="12700" cmpd="sng">
-                      <a:noFill/>
-                      <a:prstDash val="solid"/>
-                    </a:lnTlToBr>
-                    <a:lnBlToTr w="12700" cmpd="sng">
-                      <a:noFill/>
-                      <a:prstDash val="solid"/>
-                    </a:lnBlToTr>
-                    <a:solidFill>
-                      <a:schemeClr val="accent1">
-                        <a:lumMod val="20000"/>
-                        <a:lumOff val="80000"/>
-                      </a:schemeClr>
-                    </a:solidFill>
-                  </a:tcPr>
-                </a:tc>
-                <a:tc gridSpan="2">
                   <a:txBody>
                     <a:bodyPr/>
                     <a:lstStyle/>
@@ -5240,52 +4871,9 @@
                         <a:tabLst/>
                         <a:defRPr/>
                       </a:pPr>
-                      <a:endParaRPr lang="ko-KR" altLang="en-US" sz="1600" b="1" dirty="0">
+                      <a:endParaRPr lang="ko-KR" altLang="en-US" sz="1700" b="1" dirty="0">
                         <a:solidFill>
                           <a:srgbClr val="FF0000"/>
-                        </a:solidFill>
-                        <a:effectLst/>
-                      </a:endParaRPr>
-                    </a:p>
-                  </a:txBody>
-                  <a:tcPr>
-                    <a:lnL>
-                      <a:noFill/>
-                    </a:lnL>
-                    <a:lnR>
-                      <a:noFill/>
-                    </a:lnR>
-                    <a:lnT>
-                      <a:noFill/>
-                    </a:lnT>
-                    <a:lnB>
-                      <a:noFill/>
-                    </a:lnB>
-                    <a:lnTlToBr w="12700" cmpd="sng">
-                      <a:noFill/>
-                      <a:prstDash val="solid"/>
-                    </a:lnTlToBr>
-                    <a:lnBlToTr w="12700" cmpd="sng">
-                      <a:noFill/>
-                      <a:prstDash val="solid"/>
-                    </a:lnBlToTr>
-                    <a:solidFill>
-                      <a:schemeClr val="accent1">
-                        <a:lumMod val="20000"/>
-                        <a:lumOff val="80000"/>
-                      </a:schemeClr>
-                    </a:solidFill>
-                  </a:tcPr>
-                </a:tc>
-                <a:tc hMerge="1">
-                  <a:txBody>
-                    <a:bodyPr/>
-                    <a:lstStyle/>
-                    <a:p>
-                      <a:pPr algn="ctr" latinLnBrk="1"/>
-                      <a:endParaRPr lang="en-US" altLang="ko-KR" b="1" dirty="0">
-                        <a:solidFill>
-                          <a:schemeClr val="tx1"/>
                         </a:solidFill>
                         <a:effectLst/>
                       </a:endParaRPr>
@@ -5334,23 +4922,80 @@
                     <a:p>
                       <a:pPr algn="ctr" latinLnBrk="1"/>
                       <a:r>
-                        <a:rPr lang="en-US" altLang="ko-KR" sz="1600" dirty="0">
+                        <a:rPr lang="en-US" altLang="ko-KR" sz="1700" b="1" dirty="0">
+                          <a:solidFill>
+                            <a:srgbClr val="FF0000"/>
+                          </a:solidFill>
                           <a:effectLst/>
                         </a:rPr>
                         <a:t>7</a:t>
                       </a:r>
                       <a:r>
-                        <a:rPr lang="ko-KR" altLang="en-US" sz="1600" dirty="0">
+                        <a:rPr lang="ko-KR" altLang="en-US" sz="1700" b="1" dirty="0">
+                          <a:solidFill>
+                            <a:srgbClr val="FF0000"/>
+                          </a:solidFill>
                           <a:effectLst/>
                         </a:rPr>
                         <a:t>주차</a:t>
                       </a:r>
-                      <a:endParaRPr lang="ko-KR" altLang="en-US" sz="1600" b="1" dirty="0">
+                      <a:endParaRPr lang="en-US" altLang="ko-KR" sz="1700" b="1" dirty="0">
                         <a:solidFill>
-                          <a:schemeClr val="accent1">
-                            <a:lumMod val="60000"/>
-                            <a:lumOff val="40000"/>
-                          </a:schemeClr>
+                          <a:srgbClr val="FF0000"/>
+                        </a:solidFill>
+                        <a:effectLst/>
+                      </a:endParaRPr>
+                    </a:p>
+                    <a:p>
+                      <a:pPr algn="ctr" latinLnBrk="1"/>
+                      <a:r>
+                        <a:rPr lang="en-US" altLang="ko-KR" sz="1700" b="1" dirty="0">
+                          <a:solidFill>
+                            <a:srgbClr val="FF0000"/>
+                          </a:solidFill>
+                          <a:effectLst/>
+                        </a:rPr>
+                        <a:t>(4</a:t>
+                      </a:r>
+                      <a:r>
+                        <a:rPr lang="ko-KR" altLang="en-US" sz="1700" b="1" dirty="0">
+                          <a:solidFill>
+                            <a:srgbClr val="FF0000"/>
+                          </a:solidFill>
+                          <a:effectLst/>
+                        </a:rPr>
+                        <a:t>주차 </a:t>
+                      </a:r>
+                      <a:r>
+                        <a:rPr lang="en-US" altLang="ko-KR" sz="1700" b="1" dirty="0">
+                          <a:solidFill>
+                            <a:srgbClr val="FF0000"/>
+                          </a:solidFill>
+                          <a:effectLst/>
+                        </a:rPr>
+                        <a:t>-&gt; 7</a:t>
+                      </a:r>
+                      <a:r>
+                        <a:rPr lang="ko-KR" altLang="en-US" sz="1700" b="1" dirty="0">
+                          <a:solidFill>
+                            <a:srgbClr val="FF0000"/>
+                          </a:solidFill>
+                          <a:effectLst/>
+                        </a:rPr>
+                        <a:t>주차</a:t>
+                      </a:r>
+                      <a:r>
+                        <a:rPr lang="en-US" altLang="ko-KR" sz="1700" b="1" dirty="0">
+                          <a:solidFill>
+                            <a:srgbClr val="FF0000"/>
+                          </a:solidFill>
+                          <a:effectLst/>
+                        </a:rPr>
+                        <a:t>)</a:t>
+                      </a:r>
+                      <a:endParaRPr lang="ko-KR" altLang="en-US" sz="1700" b="1" dirty="0">
+                        <a:solidFill>
+                          <a:srgbClr val="FF0000"/>
                         </a:solidFill>
                         <a:effectLst/>
                       </a:endParaRPr>
@@ -5403,20 +5048,91 @@
                         <a:defRPr/>
                       </a:pPr>
                       <a:r>
-                        <a:rPr lang="ko-KR" altLang="en-US" sz="1600" dirty="0">
-                          <a:effectLst/>
-                        </a:rPr>
-                        <a:t>화면</a:t>
-                      </a:r>
-                      <a:endParaRPr lang="ko-KR" altLang="en-US" sz="1600" b="1" dirty="0">
+                        <a:rPr lang="ko-KR" altLang="en-US" sz="1700" b="1" dirty="0">
+                          <a:solidFill>
+                            <a:srgbClr val="FF0000"/>
+                          </a:solidFill>
+                          <a:effectLst/>
+                        </a:rPr>
+                        <a:t>충돌체크</a:t>
+                      </a:r>
+                    </a:p>
+                  </a:txBody>
+                  <a:tcPr>
+                    <a:lnL>
+                      <a:noFill/>
+                    </a:lnL>
+                    <a:lnR>
+                      <a:noFill/>
+                    </a:lnR>
+                    <a:lnT>
+                      <a:noFill/>
+                    </a:lnT>
+                    <a:lnB>
+                      <a:noFill/>
+                    </a:lnB>
+                    <a:lnTlToBr w="12700" cmpd="sng">
+                      <a:noFill/>
+                      <a:prstDash val="solid"/>
+                    </a:lnTlToBr>
+                    <a:lnBlToTr w="12700" cmpd="sng">
+                      <a:noFill/>
+                      <a:prstDash val="solid"/>
+                    </a:lnBlToTr>
+                    <a:noFill/>
+                  </a:tcPr>
+                </a:tc>
+                <a:tc>
+                  <a:txBody>
+                    <a:bodyPr/>
+                    <a:lstStyle/>
+                    <a:p>
+                      <a:pPr algn="ctr" latinLnBrk="1"/>
+                      <a:r>
+                        <a:rPr lang="ko-KR" altLang="en-US" sz="1700" b="1" dirty="0">
+                          <a:solidFill>
+                            <a:srgbClr val="FF0000"/>
+                          </a:solidFill>
+                          <a:effectLst/>
+                        </a:rPr>
+                        <a:t>캐릭터와 장애물</a:t>
+                      </a:r>
+                      <a:r>
+                        <a:rPr lang="en-US" altLang="ko-KR" sz="1700" b="1" dirty="0">
+                          <a:solidFill>
+                            <a:srgbClr val="FF0000"/>
+                          </a:solidFill>
+                          <a:effectLst/>
+                        </a:rPr>
+                        <a:t>&amp;</a:t>
+                      </a:r>
+                      <a:r>
+                        <a:rPr lang="ko-KR" altLang="en-US" sz="1700" b="1" dirty="0">
+                          <a:solidFill>
+                            <a:srgbClr val="FF0000"/>
+                          </a:solidFill>
+                          <a:effectLst/>
+                        </a:rPr>
+                        <a:t>아이템의 충돌 구현</a:t>
+                      </a:r>
+                      <a:endParaRPr lang="en-US" altLang="ko-KR" sz="1700" b="1" dirty="0">
                         <a:solidFill>
-                          <a:schemeClr val="accent1">
-                            <a:lumMod val="60000"/>
-                            <a:lumOff val="40000"/>
-                          </a:schemeClr>
+                          <a:srgbClr val="FF0000"/>
                         </a:solidFill>
                         <a:effectLst/>
                       </a:endParaRPr>
+                    </a:p>
+                    <a:p>
+                      <a:pPr algn="ctr" latinLnBrk="1"/>
+                      <a:r>
+                        <a:rPr lang="ko-KR" altLang="en-US" sz="1700" b="1" dirty="0">
+                          <a:solidFill>
+                            <a:srgbClr val="FF0000"/>
+                          </a:solidFill>
+                          <a:effectLst/>
+                        </a:rPr>
+                        <a:t>장애물 충돌 시 게임 종료</a:t>
+                      </a:r>
                     </a:p>
                   </a:txBody>
                   <a:tcPr>
@@ -5466,38 +5182,14 @@
                         <a:defRPr/>
                       </a:pPr>
                       <a:r>
-                        <a:rPr lang="ko-KR" altLang="en-US" sz="1600" dirty="0">
-                          <a:effectLst/>
-                        </a:rPr>
-                        <a:t>로딩화면</a:t>
-                      </a:r>
-                      <a:r>
-                        <a:rPr lang="en-US" altLang="ko-KR" sz="1600" dirty="0">
-                          <a:effectLst/>
-                        </a:rPr>
-                        <a:t>, </a:t>
-                      </a:r>
-                      <a:r>
-                        <a:rPr lang="ko-KR" altLang="en-US" sz="1600" dirty="0">
-                          <a:effectLst/>
-                        </a:rPr>
-                        <a:t>게임</a:t>
-                      </a:r>
-                      <a:r>
-                        <a:rPr lang="en-US" altLang="ko-KR" sz="1600" dirty="0">
-                          <a:effectLst/>
-                        </a:rPr>
-                        <a:t> </a:t>
-                      </a:r>
-                      <a:r>
-                        <a:rPr lang="ko-KR" altLang="en-US" sz="1600" dirty="0">
-                          <a:effectLst/>
-                        </a:rPr>
-                        <a:t>종료화면</a:t>
-                      </a:r>
-                      <a:endParaRPr lang="en-US" altLang="ko-KR" sz="1600" dirty="0">
-                        <a:effectLst/>
-                      </a:endParaRPr>
+                        <a:rPr lang="en-US" altLang="ko-KR" sz="1700" b="0">
+                          <a:solidFill>
+                            <a:schemeClr val="tx1"/>
+                          </a:solidFill>
+                          <a:effectLst/>
+                        </a:rPr>
+                        <a:t>10%</a:t>
+                      </a:r>
                     </a:p>
                     <a:p>
                       <a:pPr marL="0" marR="0" lvl="0" indent="0" algn="ctr" defTabSz="914400" rtl="0" eaLnBrk="1" fontAlgn="auto" latinLnBrk="1" hangingPunct="1">
@@ -5518,229 +5210,29 @@
                         <a:defRPr/>
                       </a:pPr>
                       <a:r>
-                        <a:rPr lang="ko-KR" altLang="en-US" sz="1600" dirty="0">
-                          <a:effectLst/>
-                        </a:rPr>
-                        <a:t>캐릭터 선택화면</a:t>
-                      </a:r>
-                      <a:r>
-                        <a:rPr lang="en-US" altLang="ko-KR" sz="1600" dirty="0">
-                          <a:effectLst/>
-                        </a:rPr>
-                        <a:t> </a:t>
-                      </a:r>
-                      <a:r>
-                        <a:rPr lang="ko-KR" altLang="en-US" sz="1600" dirty="0">
-                          <a:effectLst/>
-                        </a:rPr>
-                        <a:t>등 각종 화면 구현</a:t>
-                      </a:r>
-                      <a:endParaRPr lang="ko-KR" altLang="en-US" sz="1600" b="1" dirty="0">
+                        <a:rPr lang="en-US" altLang="ko-KR" sz="1700" b="0">
+                          <a:solidFill>
+                            <a:schemeClr val="tx1"/>
+                          </a:solidFill>
+                          <a:effectLst/>
+                        </a:rPr>
+                        <a:t>-&gt; </a:t>
+                      </a:r>
+                      <a:r>
+                        <a:rPr lang="ko-KR" altLang="en-US" sz="1700" b="0">
+                          <a:solidFill>
+                            <a:schemeClr val="tx1"/>
+                          </a:solidFill>
+                          <a:effectLst/>
+                        </a:rPr>
+                        <a:t>로딩 화면 구현</a:t>
+                      </a:r>
+                      <a:endParaRPr lang="ko-KR" altLang="en-US" sz="1700" b="1" dirty="0">
                         <a:solidFill>
-                          <a:schemeClr val="accent1">
-                            <a:lumMod val="60000"/>
-                            <a:lumOff val="40000"/>
-                          </a:schemeClr>
+                          <a:srgbClr val="FF0000"/>
                         </a:solidFill>
                         <a:effectLst/>
                       </a:endParaRPr>
-                    </a:p>
-                  </a:txBody>
-                  <a:tcPr>
-                    <a:lnL>
-                      <a:noFill/>
-                    </a:lnL>
-                    <a:lnR>
-                      <a:noFill/>
-                    </a:lnR>
-                    <a:lnT>
-                      <a:noFill/>
-                    </a:lnT>
-                    <a:lnB>
-                      <a:noFill/>
-                    </a:lnB>
-                    <a:lnTlToBr w="12700" cmpd="sng">
-                      <a:noFill/>
-                      <a:prstDash val="solid"/>
-                    </a:lnTlToBr>
-                    <a:lnBlToTr w="12700" cmpd="sng">
-                      <a:noFill/>
-                      <a:prstDash val="solid"/>
-                    </a:lnBlToTr>
-                    <a:noFill/>
-                  </a:tcPr>
-                </a:tc>
-                <a:tc gridSpan="2">
-                  <a:txBody>
-                    <a:bodyPr/>
-                    <a:lstStyle/>
-                    <a:p>
-                      <a:pPr marL="0" marR="0" lvl="0" indent="0" algn="ctr" defTabSz="914400" rtl="0" eaLnBrk="1" fontAlgn="auto" latinLnBrk="1" hangingPunct="1">
-                        <a:lnSpc>
-                          <a:spcPct val="100000"/>
-                        </a:lnSpc>
-                        <a:spcBef>
-                          <a:spcPts val="0"/>
-                        </a:spcBef>
-                        <a:spcAft>
-                          <a:spcPts val="0"/>
-                        </a:spcAft>
-                        <a:buClrTx/>
-                        <a:buSzTx/>
-                        <a:buFontTx/>
-                        <a:buNone/>
-                        <a:tabLst/>
-                        <a:defRPr/>
-                      </a:pPr>
-                      <a:r>
-                        <a:rPr lang="en-US" altLang="ko-KR" sz="1600" b="0" dirty="0">
-                          <a:solidFill>
-                            <a:schemeClr val="tx1"/>
-                          </a:solidFill>
-                          <a:effectLst/>
-                        </a:rPr>
-                        <a:t>10%</a:t>
-                      </a:r>
-                    </a:p>
-                    <a:p>
-                      <a:pPr marL="0" marR="0" lvl="0" indent="0" algn="ctr" defTabSz="914400" rtl="0" eaLnBrk="1" fontAlgn="auto" latinLnBrk="1" hangingPunct="1">
-                        <a:lnSpc>
-                          <a:spcPct val="100000"/>
-                        </a:lnSpc>
-                        <a:spcBef>
-                          <a:spcPts val="0"/>
-                        </a:spcBef>
-                        <a:spcAft>
-                          <a:spcPts val="0"/>
-                        </a:spcAft>
-                        <a:buClrTx/>
-                        <a:buSzTx/>
-                        <a:buFontTx/>
-                        <a:buNone/>
-                        <a:tabLst/>
-                        <a:defRPr/>
-                      </a:pPr>
-                      <a:r>
-                        <a:rPr lang="en-US" altLang="ko-KR" sz="1600" b="0" dirty="0">
-                          <a:solidFill>
-                            <a:schemeClr val="tx1"/>
-                          </a:solidFill>
-                          <a:effectLst/>
-                        </a:rPr>
-                        <a:t>-&gt; </a:t>
-                      </a:r>
-                      <a:r>
-                        <a:rPr lang="ko-KR" altLang="en-US" sz="1600" b="0" dirty="0">
-                          <a:solidFill>
-                            <a:schemeClr val="tx1"/>
-                          </a:solidFill>
-                          <a:effectLst/>
-                        </a:rPr>
-                        <a:t>로딩 화면 구현</a:t>
-                      </a:r>
-                      <a:endParaRPr lang="ko-KR" altLang="en-US" sz="1600" b="0" dirty="0">
-                        <a:solidFill>
-                          <a:schemeClr val="accent1">
-                            <a:lumMod val="60000"/>
-                            <a:lumOff val="40000"/>
-                          </a:schemeClr>
-                        </a:solidFill>
-                        <a:effectLst/>
-                      </a:endParaRPr>
-                    </a:p>
-                  </a:txBody>
-                  <a:tcPr>
-                    <a:lnL>
-                      <a:noFill/>
-                    </a:lnL>
-                    <a:lnR>
-                      <a:noFill/>
-                    </a:lnR>
-                    <a:lnT>
-                      <a:noFill/>
-                    </a:lnT>
-                    <a:lnB>
-                      <a:noFill/>
-                    </a:lnB>
-                    <a:lnTlToBr w="12700" cmpd="sng">
-                      <a:noFill/>
-                      <a:prstDash val="solid"/>
-                    </a:lnTlToBr>
-                    <a:lnBlToTr w="12700" cmpd="sng">
-                      <a:noFill/>
-                      <a:prstDash val="solid"/>
-                    </a:lnBlToTr>
-                    <a:noFill/>
-                  </a:tcPr>
-                </a:tc>
-                <a:tc hMerge="1">
-                  <a:txBody>
-                    <a:bodyPr/>
-                    <a:lstStyle/>
-                    <a:p>
-                      <a:pPr marL="0" marR="0" lvl="0" indent="0" algn="ctr" defTabSz="914400" rtl="0" eaLnBrk="1" fontAlgn="auto" latinLnBrk="1" hangingPunct="1">
-                        <a:lnSpc>
-                          <a:spcPct val="100000"/>
-                        </a:lnSpc>
-                        <a:spcBef>
-                          <a:spcPts val="0"/>
-                        </a:spcBef>
-                        <a:spcAft>
-                          <a:spcPts val="0"/>
-                        </a:spcAft>
-                        <a:buClrTx/>
-                        <a:buSzTx/>
-                        <a:buFontTx/>
-                        <a:buNone/>
-                        <a:tabLst/>
-                        <a:defRPr/>
-                      </a:pPr>
-                      <a:r>
-                        <a:rPr lang="en-US" altLang="ko-KR" b="1" dirty="0">
-                          <a:solidFill>
-                            <a:schemeClr val="tx1"/>
-                          </a:solidFill>
-                          <a:effectLst/>
-                        </a:rPr>
-                        <a:t>10%</a:t>
-                      </a:r>
-                    </a:p>
-                    <a:p>
-                      <a:pPr marL="0" marR="0" lvl="0" indent="0" algn="ctr" defTabSz="914400" rtl="0" eaLnBrk="1" fontAlgn="auto" latinLnBrk="1" hangingPunct="1">
-                        <a:lnSpc>
-                          <a:spcPct val="100000"/>
-                        </a:lnSpc>
-                        <a:spcBef>
-                          <a:spcPts val="0"/>
-                        </a:spcBef>
-                        <a:spcAft>
-                          <a:spcPts val="0"/>
-                        </a:spcAft>
-                        <a:buClrTx/>
-                        <a:buSzTx/>
-                        <a:buFontTx/>
-                        <a:buNone/>
-                        <a:tabLst/>
-                        <a:defRPr/>
-                      </a:pPr>
-                      <a:r>
-                        <a:rPr lang="en-US" altLang="ko-KR" b="1" dirty="0">
-                          <a:solidFill>
-                            <a:schemeClr val="tx1"/>
-                          </a:solidFill>
-                          <a:effectLst/>
-                        </a:rPr>
-                        <a:t>-&gt; </a:t>
-                      </a:r>
-                      <a:r>
-                        <a:rPr lang="ko-KR" altLang="en-US" b="1" dirty="0">
-                          <a:solidFill>
-                            <a:schemeClr val="tx1"/>
-                          </a:solidFill>
-                          <a:effectLst/>
-                        </a:rPr>
-                        <a:t>일부 화면 구현</a:t>
-                      </a:r>
                     </a:p>
                   </a:txBody>
                   <a:tcPr>
@@ -5781,18 +5273,18 @@
                     <a:p>
                       <a:pPr algn="ctr" latinLnBrk="1"/>
                       <a:r>
-                        <a:rPr lang="en-US" altLang="ko-KR" sz="1600" dirty="0">
+                        <a:rPr lang="en-US" altLang="ko-KR" sz="1700" dirty="0">
                           <a:effectLst/>
                         </a:rPr>
                         <a:t>8</a:t>
                       </a:r>
                       <a:r>
-                        <a:rPr lang="ko-KR" altLang="en-US" sz="1600" dirty="0">
+                        <a:rPr lang="ko-KR" altLang="en-US" sz="1700" dirty="0">
                           <a:effectLst/>
                         </a:rPr>
                         <a:t>주차</a:t>
                       </a:r>
-                      <a:endParaRPr lang="ko-KR" altLang="en-US" sz="1600" b="1" dirty="0">
+                      <a:endParaRPr lang="ko-KR" altLang="en-US" sz="1700" b="1" dirty="0">
                         <a:solidFill>
                           <a:schemeClr val="accent1">
                             <a:lumMod val="60000"/>
@@ -5839,18 +5331,18 @@
                     <a:p>
                       <a:pPr algn="ctr" latinLnBrk="1"/>
                       <a:r>
-                        <a:rPr lang="en-US" altLang="ko-KR" sz="1600" dirty="0">
+                        <a:rPr lang="en-US" altLang="ko-KR" sz="1700" dirty="0">
                           <a:effectLst/>
                         </a:rPr>
                         <a:t>UI, </a:t>
                       </a:r>
                       <a:r>
-                        <a:rPr lang="ko-KR" altLang="en-US" sz="1600" dirty="0">
+                        <a:rPr lang="ko-KR" altLang="en-US" sz="1700" dirty="0">
                           <a:effectLst/>
                         </a:rPr>
                         <a:t>사운드</a:t>
                       </a:r>
-                      <a:endParaRPr lang="ko-KR" altLang="en-US" sz="1600" b="1" dirty="0">
+                      <a:endParaRPr lang="ko-KR" altLang="en-US" sz="1700" b="1" dirty="0">
                         <a:solidFill>
                           <a:schemeClr val="accent1">
                             <a:lumMod val="60000"/>
@@ -5897,42 +5389,42 @@
                     <a:p>
                       <a:pPr algn="ctr" latinLnBrk="1"/>
                       <a:r>
-                        <a:rPr lang="en-US" altLang="ko-KR" sz="1600" dirty="0">
+                        <a:rPr lang="en-US" altLang="ko-KR" sz="1700" dirty="0">
                           <a:effectLst/>
                         </a:rPr>
                         <a:t>UI</a:t>
                       </a:r>
                       <a:r>
-                        <a:rPr lang="ko-KR" altLang="en-US" sz="1600" dirty="0">
+                        <a:rPr lang="ko-KR" altLang="en-US" sz="1700" dirty="0">
                           <a:effectLst/>
                         </a:rPr>
                         <a:t> 추가</a:t>
                       </a:r>
                       <a:r>
-                        <a:rPr lang="en-US" altLang="ko-KR" sz="1600" dirty="0">
+                        <a:rPr lang="en-US" altLang="ko-KR" sz="1700" dirty="0">
                           <a:effectLst/>
                         </a:rPr>
                         <a:t>, </a:t>
                       </a:r>
                       <a:r>
-                        <a:rPr lang="ko-KR" altLang="en-US" sz="1600" dirty="0">
+                        <a:rPr lang="ko-KR" altLang="en-US" sz="1700" dirty="0">
                           <a:effectLst/>
                         </a:rPr>
                         <a:t>효과음 수집 및 </a:t>
                       </a:r>
                       <a:r>
-                        <a:rPr lang="en-US" altLang="ko-KR" sz="1600" dirty="0">
+                        <a:rPr lang="en-US" altLang="ko-KR" sz="1700" dirty="0">
                           <a:effectLst/>
                         </a:rPr>
                         <a:t>BGM</a:t>
                       </a:r>
                       <a:r>
-                        <a:rPr lang="ko-KR" altLang="en-US" sz="1600" dirty="0">
+                        <a:rPr lang="ko-KR" altLang="en-US" sz="1700" dirty="0">
                           <a:effectLst/>
                         </a:rPr>
                         <a:t> 추가</a:t>
                       </a:r>
-                      <a:endParaRPr lang="ko-KR" altLang="en-US" sz="1600" b="1" dirty="0">
+                      <a:endParaRPr lang="ko-KR" altLang="en-US" sz="1700" b="1" dirty="0">
                         <a:solidFill>
                           <a:schemeClr val="accent1">
                             <a:lumMod val="60000"/>
@@ -5972,61 +5464,18 @@
                     </a:solidFill>
                   </a:tcPr>
                 </a:tc>
-                <a:tc gridSpan="2">
+                <a:tc>
                   <a:txBody>
                     <a:bodyPr/>
                     <a:lstStyle/>
                     <a:p>
                       <a:pPr algn="ctr" latinLnBrk="1"/>
-                      <a:endParaRPr lang="ko-KR" altLang="en-US" sz="1600" b="1" dirty="0">
+                      <a:endParaRPr lang="ko-KR" altLang="en-US" sz="1700" b="1" dirty="0">
                         <a:solidFill>
                           <a:schemeClr val="accent1">
                             <a:lumMod val="60000"/>
                             <a:lumOff val="40000"/>
                           </a:schemeClr>
-                        </a:solidFill>
-                        <a:effectLst/>
-                      </a:endParaRPr>
-                    </a:p>
-                  </a:txBody>
-                  <a:tcPr>
-                    <a:lnL>
-                      <a:noFill/>
-                    </a:lnL>
-                    <a:lnR>
-                      <a:noFill/>
-                    </a:lnR>
-                    <a:lnT>
-                      <a:noFill/>
-                    </a:lnT>
-                    <a:lnB>
-                      <a:noFill/>
-                    </a:lnB>
-                    <a:lnTlToBr w="12700" cmpd="sng">
-                      <a:noFill/>
-                      <a:prstDash val="solid"/>
-                    </a:lnTlToBr>
-                    <a:lnBlToTr w="12700" cmpd="sng">
-                      <a:noFill/>
-                      <a:prstDash val="solid"/>
-                    </a:lnBlToTr>
-                    <a:solidFill>
-                      <a:schemeClr val="accent1">
-                        <a:lumMod val="20000"/>
-                        <a:lumOff val="80000"/>
-                      </a:schemeClr>
-                    </a:solidFill>
-                  </a:tcPr>
-                </a:tc>
-                <a:tc hMerge="1">
-                  <a:txBody>
-                    <a:bodyPr/>
-                    <a:lstStyle/>
-                    <a:p>
-                      <a:pPr algn="ctr" latinLnBrk="1"/>
-                      <a:endParaRPr lang="ko-KR" altLang="en-US" b="1" dirty="0">
-                        <a:solidFill>
-                          <a:schemeClr val="tx1"/>
                         </a:solidFill>
                         <a:effectLst/>
                       </a:endParaRPr>
@@ -6075,18 +5524,18 @@
                     <a:p>
                       <a:pPr algn="ctr" latinLnBrk="1"/>
                       <a:r>
-                        <a:rPr lang="en-US" altLang="ko-KR" sz="1600" dirty="0">
+                        <a:rPr lang="en-US" altLang="ko-KR" sz="1700" dirty="0">
                           <a:effectLst/>
                         </a:rPr>
                         <a:t>9</a:t>
                       </a:r>
                       <a:r>
-                        <a:rPr lang="ko-KR" altLang="en-US" sz="1600" dirty="0">
+                        <a:rPr lang="ko-KR" altLang="en-US" sz="1700" dirty="0">
                           <a:effectLst/>
                         </a:rPr>
                         <a:t>주차</a:t>
                       </a:r>
-                      <a:endParaRPr lang="ko-KR" altLang="en-US" sz="1600" b="1" dirty="0">
+                      <a:endParaRPr lang="ko-KR" altLang="en-US" sz="1700" b="1" dirty="0">
                         <a:solidFill>
                           <a:schemeClr val="accent1">
                             <a:lumMod val="60000"/>
@@ -6128,12 +5577,12 @@
                     <a:p>
                       <a:pPr algn="ctr" latinLnBrk="1"/>
                       <a:r>
-                        <a:rPr lang="ko-KR" altLang="en-US" sz="1600" dirty="0">
+                        <a:rPr lang="ko-KR" altLang="en-US" sz="1700" dirty="0">
                           <a:effectLst/>
                         </a:rPr>
                         <a:t>최종 점검</a:t>
                       </a:r>
-                      <a:endParaRPr lang="ko-KR" altLang="en-US" sz="1600" b="1" dirty="0">
+                      <a:endParaRPr lang="ko-KR" altLang="en-US" sz="1700" b="1" dirty="0">
                         <a:solidFill>
                           <a:schemeClr val="accent1">
                             <a:lumMod val="60000"/>
@@ -6175,12 +5624,12 @@
                     <a:p>
                       <a:pPr algn="ctr" latinLnBrk="1"/>
                       <a:r>
-                        <a:rPr lang="ko-KR" altLang="en-US" sz="1600" dirty="0">
+                        <a:rPr lang="ko-KR" altLang="en-US" sz="1700" dirty="0">
                           <a:effectLst/>
                         </a:rPr>
                         <a:t>최종 점검 및 릴리즈</a:t>
                       </a:r>
-                      <a:endParaRPr lang="ko-KR" altLang="en-US" sz="1600" b="1" dirty="0">
+                      <a:endParaRPr lang="ko-KR" altLang="en-US" sz="1700" b="1" dirty="0">
                         <a:solidFill>
                           <a:schemeClr val="accent1">
                             <a:lumMod val="60000"/>
@@ -6215,56 +5664,18 @@
                     <a:noFill/>
                   </a:tcPr>
                 </a:tc>
-                <a:tc gridSpan="2">
+                <a:tc>
                   <a:txBody>
                     <a:bodyPr/>
                     <a:lstStyle/>
                     <a:p>
                       <a:pPr algn="ctr" latinLnBrk="1"/>
-                      <a:endParaRPr lang="ko-KR" altLang="en-US" sz="1600" b="1" dirty="0">
+                      <a:endParaRPr lang="ko-KR" altLang="en-US" sz="1700" b="1" dirty="0">
                         <a:solidFill>
                           <a:schemeClr val="accent1">
                             <a:lumMod val="60000"/>
                             <a:lumOff val="40000"/>
                           </a:schemeClr>
-                        </a:solidFill>
-                        <a:effectLst/>
-                      </a:endParaRPr>
-                    </a:p>
-                  </a:txBody>
-                  <a:tcPr>
-                    <a:lnL>
-                      <a:noFill/>
-                    </a:lnL>
-                    <a:lnR>
-                      <a:noFill/>
-                    </a:lnR>
-                    <a:lnT>
-                      <a:noFill/>
-                    </a:lnT>
-                    <a:lnB w="12700" cmpd="sng">
-                      <a:noFill/>
-                    </a:lnB>
-                    <a:lnTlToBr w="12700" cmpd="sng">
-                      <a:noFill/>
-                      <a:prstDash val="solid"/>
-                    </a:lnTlToBr>
-                    <a:lnBlToTr w="12700" cmpd="sng">
-                      <a:noFill/>
-                      <a:prstDash val="solid"/>
-                    </a:lnBlToTr>
-                    <a:noFill/>
-                  </a:tcPr>
-                </a:tc>
-                <a:tc hMerge="1">
-                  <a:txBody>
-                    <a:bodyPr/>
-                    <a:lstStyle/>
-                    <a:p>
-                      <a:pPr algn="ctr" latinLnBrk="1"/>
-                      <a:endParaRPr lang="ko-KR" altLang="en-US" b="1" dirty="0">
-                        <a:solidFill>
-                          <a:schemeClr val="tx1"/>
                         </a:solidFill>
                         <a:effectLst/>
                       </a:endParaRPr>
@@ -6465,6 +5876,496 @@
               <a:t>]</a:t>
             </a:r>
             <a:endParaRPr lang="ko-KR" altLang="en-US" sz="5000" b="1" dirty="0">
+              <a:solidFill>
+                <a:schemeClr val="accent1">
+                  <a:lumMod val="60000"/>
+                  <a:lumOff val="40000"/>
+                </a:schemeClr>
+              </a:solidFill>
+            </a:endParaRPr>
+          </a:p>
+        </p:txBody>
+      </p:sp>
+      <p:pic>
+        <p:nvPicPr>
+          <p:cNvPr id="2" name="그림 1">
+            <a:extLst>
+              <a:ext uri="{FF2B5EF4-FFF2-40B4-BE49-F238E27FC236}">
+                <a16:creationId xmlns:a16="http://schemas.microsoft.com/office/drawing/2014/main" id="{0B708553-F358-4F85-8793-9700447ACC95}"/>
+              </a:ext>
+            </a:extLst>
+          </p:cNvPr>
+          <p:cNvPicPr>
+            <a:picLocks noChangeAspect="1"/>
+          </p:cNvPicPr>
+          <p:nvPr/>
+        </p:nvPicPr>
+        <p:blipFill rotWithShape="1">
+          <a:blip r:embed="rId3"/>
+          <a:srcRect l="19435" t="16201" r="26412" b="12186"/>
+          <a:stretch/>
+        </p:blipFill>
+        <p:spPr>
+          <a:xfrm>
+            <a:off x="479303" y="1540548"/>
+            <a:ext cx="6602360" cy="4911212"/>
+          </a:xfrm>
+          <a:prstGeom prst="rect">
+            <a:avLst/>
+          </a:prstGeom>
+          <a:ln w="31750">
+            <a:solidFill>
+              <a:schemeClr val="accent1">
+                <a:lumMod val="60000"/>
+                <a:lumOff val="40000"/>
+              </a:schemeClr>
+            </a:solidFill>
+          </a:ln>
+        </p:spPr>
+      </p:pic>
+      <p:pic>
+        <p:nvPicPr>
+          <p:cNvPr id="3" name="그림 2">
+            <a:extLst>
+              <a:ext uri="{FF2B5EF4-FFF2-40B4-BE49-F238E27FC236}">
+                <a16:creationId xmlns:a16="http://schemas.microsoft.com/office/drawing/2014/main" id="{8BC21C58-6532-4486-A07A-0AFF12536D13}"/>
+              </a:ext>
+            </a:extLst>
+          </p:cNvPr>
+          <p:cNvPicPr>
+            <a:picLocks noChangeAspect="1"/>
+          </p:cNvPicPr>
+          <p:nvPr/>
+        </p:nvPicPr>
+        <p:blipFill rotWithShape="1">
+          <a:blip r:embed="rId4"/>
+          <a:srcRect l="34315" t="66942" r="27137" b="25103"/>
+          <a:stretch/>
+        </p:blipFill>
+        <p:spPr>
+          <a:xfrm>
+            <a:off x="7312941" y="1607272"/>
+            <a:ext cx="4399756" cy="510746"/>
+          </a:xfrm>
+          <a:prstGeom prst="rect">
+            <a:avLst/>
+          </a:prstGeom>
+          <a:ln w="19050">
+            <a:solidFill>
+              <a:schemeClr val="accent1">
+                <a:lumMod val="60000"/>
+                <a:lumOff val="40000"/>
+              </a:schemeClr>
+            </a:solidFill>
+          </a:ln>
+        </p:spPr>
+      </p:pic>
+      <p:pic>
+        <p:nvPicPr>
+          <p:cNvPr id="4" name="그림 3">
+            <a:extLst>
+              <a:ext uri="{FF2B5EF4-FFF2-40B4-BE49-F238E27FC236}">
+                <a16:creationId xmlns:a16="http://schemas.microsoft.com/office/drawing/2014/main" id="{EEBB8841-2BB2-4FC1-8404-1758CE66C23B}"/>
+              </a:ext>
+            </a:extLst>
+          </p:cNvPr>
+          <p:cNvPicPr>
+            <a:picLocks noChangeAspect="1"/>
+          </p:cNvPicPr>
+          <p:nvPr/>
+        </p:nvPicPr>
+        <p:blipFill rotWithShape="1">
+          <a:blip r:embed="rId5"/>
+          <a:srcRect l="33750" t="61058" r="26895" b="24592"/>
+          <a:stretch/>
+        </p:blipFill>
+        <p:spPr>
+          <a:xfrm>
+            <a:off x="7312941" y="2321176"/>
+            <a:ext cx="4399756" cy="902445"/>
+          </a:xfrm>
+          <a:prstGeom prst="rect">
+            <a:avLst/>
+          </a:prstGeom>
+          <a:ln w="19050">
+            <a:solidFill>
+              <a:schemeClr val="accent1">
+                <a:lumMod val="60000"/>
+                <a:lumOff val="40000"/>
+              </a:schemeClr>
+            </a:solidFill>
+          </a:ln>
+        </p:spPr>
+      </p:pic>
+      <p:pic>
+        <p:nvPicPr>
+          <p:cNvPr id="5" name="그림 4">
+            <a:extLst>
+              <a:ext uri="{FF2B5EF4-FFF2-40B4-BE49-F238E27FC236}">
+                <a16:creationId xmlns:a16="http://schemas.microsoft.com/office/drawing/2014/main" id="{78246F73-2C7C-43FE-83C1-F2C4BC6EB2AD}"/>
+              </a:ext>
+            </a:extLst>
+          </p:cNvPr>
+          <p:cNvPicPr>
+            <a:picLocks noChangeAspect="1"/>
+          </p:cNvPicPr>
+          <p:nvPr/>
+        </p:nvPicPr>
+        <p:blipFill rotWithShape="1">
+          <a:blip r:embed="rId6"/>
+          <a:srcRect l="34072" t="67016" r="27415" b="24701"/>
+          <a:stretch/>
+        </p:blipFill>
+        <p:spPr>
+          <a:xfrm>
+            <a:off x="7312941" y="3426779"/>
+            <a:ext cx="4399756" cy="532296"/>
+          </a:xfrm>
+          <a:prstGeom prst="rect">
+            <a:avLst/>
+          </a:prstGeom>
+          <a:ln w="19050">
+            <a:solidFill>
+              <a:schemeClr val="accent1">
+                <a:lumMod val="60000"/>
+                <a:lumOff val="40000"/>
+              </a:schemeClr>
+            </a:solidFill>
+          </a:ln>
+        </p:spPr>
+      </p:pic>
+      <p:pic>
+        <p:nvPicPr>
+          <p:cNvPr id="6" name="그림 5">
+            <a:extLst>
+              <a:ext uri="{FF2B5EF4-FFF2-40B4-BE49-F238E27FC236}">
+                <a16:creationId xmlns:a16="http://schemas.microsoft.com/office/drawing/2014/main" id="{BE179C60-8465-4739-B661-0A66D9D172F6}"/>
+              </a:ext>
+            </a:extLst>
+          </p:cNvPr>
+          <p:cNvPicPr>
+            <a:picLocks noChangeAspect="1"/>
+          </p:cNvPicPr>
+          <p:nvPr/>
+        </p:nvPicPr>
+        <p:blipFill rotWithShape="1">
+          <a:blip r:embed="rId7"/>
+          <a:srcRect l="33682" t="46231" r="27130" b="25040"/>
+          <a:stretch/>
+        </p:blipFill>
+        <p:spPr>
+          <a:xfrm>
+            <a:off x="7312941" y="4173696"/>
+            <a:ext cx="4394820" cy="1812326"/>
+          </a:xfrm>
+          <a:prstGeom prst="rect">
+            <a:avLst/>
+          </a:prstGeom>
+          <a:ln w="19050">
+            <a:solidFill>
+              <a:schemeClr val="accent1">
+                <a:lumMod val="60000"/>
+                <a:lumOff val="40000"/>
+              </a:schemeClr>
+            </a:solidFill>
+          </a:ln>
+        </p:spPr>
+      </p:pic>
+      <p:sp>
+        <p:nvSpPr>
+          <p:cNvPr id="11" name="화살표: 아래쪽 10">
+            <a:extLst>
+              <a:ext uri="{FF2B5EF4-FFF2-40B4-BE49-F238E27FC236}">
+                <a16:creationId xmlns:a16="http://schemas.microsoft.com/office/drawing/2014/main" id="{DCC3FE45-BD8F-4620-9101-1B8C1D43A99E}"/>
+              </a:ext>
+            </a:extLst>
+          </p:cNvPr>
+          <p:cNvSpPr/>
+          <p:nvPr/>
+        </p:nvSpPr>
+        <p:spPr>
+          <a:xfrm>
+            <a:off x="4503604" y="5041295"/>
+            <a:ext cx="206814" cy="237901"/>
+          </a:xfrm>
+          <a:prstGeom prst="downArrow">
+            <a:avLst/>
+          </a:prstGeom>
+          <a:noFill/>
+          <a:ln>
+            <a:solidFill>
+              <a:schemeClr val="accent1">
+                <a:lumMod val="60000"/>
+                <a:lumOff val="40000"/>
+              </a:schemeClr>
+            </a:solidFill>
+          </a:ln>
+        </p:spPr>
+        <p:style>
+          <a:lnRef idx="2">
+            <a:schemeClr val="accent1">
+              <a:shade val="50000"/>
+            </a:schemeClr>
+          </a:lnRef>
+          <a:fillRef idx="1">
+            <a:schemeClr val="accent1"/>
+          </a:fillRef>
+          <a:effectRef idx="0">
+            <a:schemeClr val="accent1"/>
+          </a:effectRef>
+          <a:fontRef idx="minor">
+            <a:schemeClr val="lt1"/>
+          </a:fontRef>
+        </p:style>
+        <p:txBody>
+          <a:bodyPr rtlCol="0" anchor="ctr"/>
+          <a:lstStyle/>
+          <a:p>
+            <a:pPr algn="ctr"/>
+            <a:endParaRPr lang="ko-KR" altLang="en-US"/>
+          </a:p>
+        </p:txBody>
+      </p:sp>
+      <p:sp>
+        <p:nvSpPr>
+          <p:cNvPr id="12" name="TextBox 11">
+            <a:extLst>
+              <a:ext uri="{FF2B5EF4-FFF2-40B4-BE49-F238E27FC236}">
+                <a16:creationId xmlns:a16="http://schemas.microsoft.com/office/drawing/2014/main" id="{066EDAF2-1660-4A26-8D1A-249F50A3B05F}"/>
+              </a:ext>
+            </a:extLst>
+          </p:cNvPr>
+          <p:cNvSpPr txBox="1"/>
+          <p:nvPr/>
+        </p:nvSpPr>
+        <p:spPr>
+          <a:xfrm>
+            <a:off x="4279557" y="4748907"/>
+            <a:ext cx="654908" cy="292388"/>
+          </a:xfrm>
+          <a:prstGeom prst="rect">
+            <a:avLst/>
+          </a:prstGeom>
+          <a:noFill/>
+        </p:spPr>
+        <p:txBody>
+          <a:bodyPr wrap="square" rtlCol="0">
+            <a:spAutoFit/>
+          </a:bodyPr>
+          <a:lstStyle/>
+          <a:p>
+            <a:r>
+              <a:rPr lang="en-US" altLang="ko-KR" sz="1300" b="1" dirty="0">
+                <a:solidFill>
+                  <a:schemeClr val="accent1">
+                    <a:lumMod val="60000"/>
+                    <a:lumOff val="40000"/>
+                  </a:schemeClr>
+                </a:solidFill>
+              </a:rPr>
+              <a:t>10/30</a:t>
+            </a:r>
+            <a:endParaRPr lang="ko-KR" altLang="en-US" sz="1300" b="1" dirty="0">
+              <a:solidFill>
+                <a:schemeClr val="accent1">
+                  <a:lumMod val="60000"/>
+                  <a:lumOff val="40000"/>
+                </a:schemeClr>
+              </a:solidFill>
+            </a:endParaRPr>
+          </a:p>
+        </p:txBody>
+      </p:sp>
+      <p:sp>
+        <p:nvSpPr>
+          <p:cNvPr id="13" name="TextBox 12">
+            <a:extLst>
+              <a:ext uri="{FF2B5EF4-FFF2-40B4-BE49-F238E27FC236}">
+                <a16:creationId xmlns:a16="http://schemas.microsoft.com/office/drawing/2014/main" id="{FF498939-4F08-4779-AE10-568C3B7992FF}"/>
+              </a:ext>
+            </a:extLst>
+          </p:cNvPr>
+          <p:cNvSpPr txBox="1"/>
+          <p:nvPr/>
+        </p:nvSpPr>
+        <p:spPr>
+          <a:xfrm>
+            <a:off x="7231974" y="2067599"/>
+            <a:ext cx="657984" cy="292388"/>
+          </a:xfrm>
+          <a:prstGeom prst="rect">
+            <a:avLst/>
+          </a:prstGeom>
+          <a:noFill/>
+        </p:spPr>
+        <p:txBody>
+          <a:bodyPr wrap="square" rtlCol="0">
+            <a:spAutoFit/>
+          </a:bodyPr>
+          <a:lstStyle/>
+          <a:p>
+            <a:r>
+              <a:rPr lang="en-US" altLang="ko-KR" sz="1300" b="1" dirty="0">
+                <a:solidFill>
+                  <a:schemeClr val="accent1">
+                    <a:lumMod val="60000"/>
+                    <a:lumOff val="40000"/>
+                  </a:schemeClr>
+                </a:solidFill>
+              </a:rPr>
+              <a:t>9/29</a:t>
+            </a:r>
+            <a:endParaRPr lang="ko-KR" altLang="en-US" sz="1300" b="1" dirty="0">
+              <a:solidFill>
+                <a:schemeClr val="accent1">
+                  <a:lumMod val="60000"/>
+                  <a:lumOff val="40000"/>
+                </a:schemeClr>
+              </a:solidFill>
+            </a:endParaRPr>
+          </a:p>
+        </p:txBody>
+      </p:sp>
+      <p:sp>
+        <p:nvSpPr>
+          <p:cNvPr id="15" name="TextBox 14">
+            <a:extLst>
+              <a:ext uri="{FF2B5EF4-FFF2-40B4-BE49-F238E27FC236}">
+                <a16:creationId xmlns:a16="http://schemas.microsoft.com/office/drawing/2014/main" id="{7A67C54C-AB2E-42F5-B429-5BA067470C2C}"/>
+              </a:ext>
+            </a:extLst>
+          </p:cNvPr>
+          <p:cNvSpPr txBox="1"/>
+          <p:nvPr/>
+        </p:nvSpPr>
+        <p:spPr>
+          <a:xfrm>
+            <a:off x="7231974" y="5947458"/>
+            <a:ext cx="657984" cy="292388"/>
+          </a:xfrm>
+          <a:prstGeom prst="rect">
+            <a:avLst/>
+          </a:prstGeom>
+          <a:noFill/>
+        </p:spPr>
+        <p:txBody>
+          <a:bodyPr wrap="square" rtlCol="0">
+            <a:spAutoFit/>
+          </a:bodyPr>
+          <a:lstStyle/>
+          <a:p>
+            <a:r>
+              <a:rPr lang="en-US" altLang="ko-KR" sz="1300" b="1" dirty="0">
+                <a:solidFill>
+                  <a:schemeClr val="accent1">
+                    <a:lumMod val="60000"/>
+                    <a:lumOff val="40000"/>
+                  </a:schemeClr>
+                </a:solidFill>
+              </a:rPr>
+              <a:t>10/20</a:t>
+            </a:r>
+            <a:endParaRPr lang="ko-KR" altLang="en-US" sz="1300" b="1" dirty="0">
+              <a:solidFill>
+                <a:schemeClr val="accent1">
+                  <a:lumMod val="60000"/>
+                  <a:lumOff val="40000"/>
+                </a:schemeClr>
+              </a:solidFill>
+            </a:endParaRPr>
+          </a:p>
+        </p:txBody>
+      </p:sp>
+      <p:sp>
+        <p:nvSpPr>
+          <p:cNvPr id="16" name="TextBox 15">
+            <a:extLst>
+              <a:ext uri="{FF2B5EF4-FFF2-40B4-BE49-F238E27FC236}">
+                <a16:creationId xmlns:a16="http://schemas.microsoft.com/office/drawing/2014/main" id="{D06C1ACF-7AAC-4F26-8235-280C4ABA7F32}"/>
+              </a:ext>
+            </a:extLst>
+          </p:cNvPr>
+          <p:cNvSpPr txBox="1"/>
+          <p:nvPr/>
+        </p:nvSpPr>
+        <p:spPr>
+          <a:xfrm>
+            <a:off x="7231974" y="3920192"/>
+            <a:ext cx="657984" cy="292388"/>
+          </a:xfrm>
+          <a:prstGeom prst="rect">
+            <a:avLst/>
+          </a:prstGeom>
+          <a:noFill/>
+        </p:spPr>
+        <p:txBody>
+          <a:bodyPr wrap="square" rtlCol="0">
+            <a:spAutoFit/>
+          </a:bodyPr>
+          <a:lstStyle/>
+          <a:p>
+            <a:r>
+              <a:rPr lang="en-US" altLang="ko-KR" sz="1300" b="1" dirty="0">
+                <a:solidFill>
+                  <a:schemeClr val="accent1">
+                    <a:lumMod val="60000"/>
+                    <a:lumOff val="40000"/>
+                  </a:schemeClr>
+                </a:solidFill>
+              </a:rPr>
+              <a:t>10/13</a:t>
+            </a:r>
+            <a:endParaRPr lang="ko-KR" altLang="en-US" sz="1300" b="1" dirty="0">
+              <a:solidFill>
+                <a:schemeClr val="accent1">
+                  <a:lumMod val="60000"/>
+                  <a:lumOff val="40000"/>
+                </a:schemeClr>
+              </a:solidFill>
+            </a:endParaRPr>
+          </a:p>
+        </p:txBody>
+      </p:sp>
+      <p:sp>
+        <p:nvSpPr>
+          <p:cNvPr id="17" name="TextBox 16">
+            <a:extLst>
+              <a:ext uri="{FF2B5EF4-FFF2-40B4-BE49-F238E27FC236}">
+                <a16:creationId xmlns:a16="http://schemas.microsoft.com/office/drawing/2014/main" id="{09714300-5D42-48F3-B411-8026217DCB45}"/>
+              </a:ext>
+            </a:extLst>
+          </p:cNvPr>
+          <p:cNvSpPr txBox="1"/>
+          <p:nvPr/>
+        </p:nvSpPr>
+        <p:spPr>
+          <a:xfrm>
+            <a:off x="7231974" y="3172993"/>
+            <a:ext cx="657984" cy="292388"/>
+          </a:xfrm>
+          <a:prstGeom prst="rect">
+            <a:avLst/>
+          </a:prstGeom>
+          <a:noFill/>
+        </p:spPr>
+        <p:txBody>
+          <a:bodyPr wrap="square" rtlCol="0">
+            <a:spAutoFit/>
+          </a:bodyPr>
+          <a:lstStyle/>
+          <a:p>
+            <a:r>
+              <a:rPr lang="en-US" altLang="ko-KR" sz="1300" b="1" dirty="0">
+                <a:solidFill>
+                  <a:schemeClr val="accent1">
+                    <a:lumMod val="60000"/>
+                    <a:lumOff val="40000"/>
+                  </a:schemeClr>
+                </a:solidFill>
+              </a:rPr>
+              <a:t>10/6</a:t>
+            </a:r>
+            <a:endParaRPr lang="ko-KR" altLang="en-US" sz="1300" b="1" dirty="0">
               <a:solidFill>
                 <a:schemeClr val="accent1">
                   <a:lumMod val="60000"/>
